--- a/Presentations/Lab_1_Database_Normalization.pptx
+++ b/Presentations/Lab_1_Database_Normalization.pptx
@@ -6953,7 +6953,7 @@
             </a:pPr>
             <a:r>
               <a:rPr lang="ru-RU" sz="2400" dirty="0"/>
-              <a:t>На пересдаче вся работа принимается заново, все недочеты могут быть исправлены, но, из результата вычитается 20%.</a:t>
+              <a:t>На пересдаче вся работа принимается заново, все недочеты могут быть исправлены, но из результата вычитается 20%.</a:t>
             </a:r>
             <a:endParaRPr lang="ru-RU" sz="2400" dirty="0"/>
           </a:p>

--- a/Presentations/Lab_1_Database_Normalization.pptx
+++ b/Presentations/Lab_1_Database_Normalization.pptx
@@ -5,32 +5,32 @@
     <p:sldMasterId id="2147483648" r:id="rId1"/>
   </p:sldMasterIdLst>
   <p:notesMasterIdLst>
-    <p:notesMasterId r:id="rId26"/>
+    <p:notesMasterId r:id="rId25"/>
   </p:notesMasterIdLst>
   <p:sldIdLst>
-    <p:sldId id="256" r:id="rId3"/>
-    <p:sldId id="261" r:id="rId4"/>
-    <p:sldId id="274" r:id="rId5"/>
-    <p:sldId id="275" r:id="rId6"/>
-    <p:sldId id="276" r:id="rId7"/>
-    <p:sldId id="277" r:id="rId8"/>
-    <p:sldId id="278" r:id="rId9"/>
-    <p:sldId id="279" r:id="rId10"/>
-    <p:sldId id="280" r:id="rId11"/>
-    <p:sldId id="281" r:id="rId12"/>
-    <p:sldId id="282" r:id="rId13"/>
-    <p:sldId id="283" r:id="rId14"/>
-    <p:sldId id="284" r:id="rId15"/>
-    <p:sldId id="285" r:id="rId16"/>
-    <p:sldId id="286" r:id="rId17"/>
-    <p:sldId id="288" r:id="rId18"/>
-    <p:sldId id="287" r:id="rId19"/>
-    <p:sldId id="291" r:id="rId20"/>
-    <p:sldId id="289" r:id="rId21"/>
-    <p:sldId id="292" r:id="rId22"/>
-    <p:sldId id="290" r:id="rId23"/>
-    <p:sldId id="293" r:id="rId24"/>
-    <p:sldId id="260" r:id="rId25"/>
+    <p:sldId id="256" r:id="rId2"/>
+    <p:sldId id="261" r:id="rId3"/>
+    <p:sldId id="274" r:id="rId4"/>
+    <p:sldId id="275" r:id="rId5"/>
+    <p:sldId id="276" r:id="rId6"/>
+    <p:sldId id="277" r:id="rId7"/>
+    <p:sldId id="278" r:id="rId8"/>
+    <p:sldId id="279" r:id="rId9"/>
+    <p:sldId id="280" r:id="rId10"/>
+    <p:sldId id="281" r:id="rId11"/>
+    <p:sldId id="282" r:id="rId12"/>
+    <p:sldId id="283" r:id="rId13"/>
+    <p:sldId id="284" r:id="rId14"/>
+    <p:sldId id="285" r:id="rId15"/>
+    <p:sldId id="286" r:id="rId16"/>
+    <p:sldId id="288" r:id="rId17"/>
+    <p:sldId id="287" r:id="rId18"/>
+    <p:sldId id="291" r:id="rId19"/>
+    <p:sldId id="289" r:id="rId20"/>
+    <p:sldId id="292" r:id="rId21"/>
+    <p:sldId id="290" r:id="rId22"/>
+    <p:sldId id="293" r:id="rId23"/>
+    <p:sldId id="260" r:id="rId24"/>
   </p:sldIdLst>
   <p:sldSz cx="9144000" cy="6858000" type="screen4x3"/>
   <p:notesSz cx="6858000" cy="9144000"/>
@@ -161,8 +161,26 @@
         </p14:section>
       </p14:sectionLst>
     </p:ext>
+    <p:ext uri="{EFAFB233-063F-42B5-8137-9DF3F51BA10A}">
+      <p15:sldGuideLst xmlns:p15="http://schemas.microsoft.com/office/powerpoint/2012/main">
+        <p15:guide id="1" orient="horz" pos="2160">
+          <p15:clr>
+            <a:srgbClr val="A4A3A4"/>
+          </p15:clr>
+        </p15:guide>
+        <p15:guide id="2" pos="2863">
+          <p15:clr>
+            <a:srgbClr val="A4A3A4"/>
+          </p15:clr>
+        </p15:guide>
+      </p15:sldGuideLst>
+    </p:ext>
   </p:extLst>
 </p:presentation>
+</file>
+
+<file path=ppt/revisionInfo.xml><?xml version="1.0" encoding="utf-8"?>
+<p1510:revInfo xmlns:a="http://schemas.openxmlformats.org/drawingml/2006/main" xmlns:r="http://schemas.openxmlformats.org/officeDocument/2006/relationships" xmlns:p1510="http://schemas.microsoft.com/office/powerpoint/2015/10/main"/>
 </file>
 
 <file path=ppt/notesMasters/notesMaster1.xml><?xml version="1.0" encoding="utf-8"?>
@@ -247,6 +265,7 @@
           <a:p>
             <a:fld id="{81CFF8C7-C57D-4492-855C-AD914604A572}" type="datetimeFigureOut">
               <a:rPr lang="ru-RU" smtClean="0"/>
+              <a:t>20.01.2018</a:t>
             </a:fld>
             <a:endParaRPr lang="ru-RU"/>
           </a:p>
@@ -313,7 +332,6 @@
               <a:rPr lang="ru-RU"/>
               <a:t>Образец текста</a:t>
             </a:r>
-            <a:endParaRPr lang="ru-RU"/>
           </a:p>
           <a:p>
             <a:pPr lvl="1"/>
@@ -321,7 +339,6 @@
               <a:rPr lang="ru-RU"/>
               <a:t>Второй уровень</a:t>
             </a:r>
-            <a:endParaRPr lang="ru-RU"/>
           </a:p>
           <a:p>
             <a:pPr lvl="2"/>
@@ -329,7 +346,6 @@
               <a:rPr lang="ru-RU"/>
               <a:t>Третий уровень</a:t>
             </a:r>
-            <a:endParaRPr lang="ru-RU"/>
           </a:p>
           <a:p>
             <a:pPr lvl="3"/>
@@ -337,7 +353,6 @@
               <a:rPr lang="ru-RU"/>
               <a:t>Четвертый уровень</a:t>
             </a:r>
-            <a:endParaRPr lang="ru-RU"/>
           </a:p>
           <a:p>
             <a:pPr lvl="4"/>
@@ -408,6 +423,7 @@
           <a:p>
             <a:fld id="{0CF71528-B6E9-4397-B8DB-FB98764CBEEF}" type="slidenum">
               <a:rPr lang="ru-RU" smtClean="0"/>
+              <a:t>‹#›</a:t>
             </a:fld>
             <a:endParaRPr lang="ru-RU"/>
           </a:p>
@@ -788,7 +804,6 @@
               <a:rPr lang="ru-RU" dirty="0"/>
               <a:t>Образец текста</a:t>
             </a:r>
-            <a:endParaRPr lang="ru-RU" dirty="0"/>
           </a:p>
           <a:p>
             <a:pPr lvl="1"/>
@@ -796,7 +811,6 @@
               <a:rPr lang="ru-RU" dirty="0"/>
               <a:t>Второй уровень</a:t>
             </a:r>
-            <a:endParaRPr lang="ru-RU" dirty="0"/>
           </a:p>
           <a:p>
             <a:pPr lvl="2"/>
@@ -804,7 +818,6 @@
               <a:rPr lang="ru-RU" dirty="0"/>
               <a:t>Третий уровень</a:t>
             </a:r>
-            <a:endParaRPr lang="ru-RU" dirty="0"/>
           </a:p>
           <a:p>
             <a:pPr lvl="3"/>
@@ -812,7 +825,6 @@
               <a:rPr lang="ru-RU" dirty="0"/>
               <a:t>Четвертый уровень</a:t>
             </a:r>
-            <a:endParaRPr lang="ru-RU" dirty="0"/>
           </a:p>
           <a:p>
             <a:pPr lvl="4"/>
@@ -849,6 +861,7 @@
           <a:p>
             <a:fld id="{33067CA6-2D92-4602-87FB-B81B94BA46B2}" type="slidenum">
               <a:rPr lang="ru-RU" smtClean="0"/>
+              <a:t>‹#›</a:t>
             </a:fld>
             <a:endParaRPr lang="ru-RU" dirty="0"/>
           </a:p>
@@ -1107,7 +1120,6 @@
               <a:rPr lang="ru-RU" dirty="0"/>
               <a:t>Образец текста</a:t>
             </a:r>
-            <a:endParaRPr lang="ru-RU" dirty="0"/>
           </a:p>
           <a:p>
             <a:pPr lvl="1"/>
@@ -1115,7 +1127,6 @@
               <a:rPr lang="ru-RU" dirty="0"/>
               <a:t>Второй уровень</a:t>
             </a:r>
-            <a:endParaRPr lang="ru-RU" dirty="0"/>
           </a:p>
           <a:p>
             <a:pPr lvl="2"/>
@@ -1123,7 +1134,6 @@
               <a:rPr lang="ru-RU" dirty="0"/>
               <a:t>Третий уровень</a:t>
             </a:r>
-            <a:endParaRPr lang="ru-RU" dirty="0"/>
           </a:p>
           <a:p>
             <a:pPr lvl="3"/>
@@ -1131,7 +1141,6 @@
               <a:rPr lang="ru-RU" dirty="0"/>
               <a:t>Четвертый уровень</a:t>
             </a:r>
-            <a:endParaRPr lang="ru-RU" dirty="0"/>
           </a:p>
           <a:p>
             <a:pPr lvl="4"/>
@@ -1168,6 +1177,7 @@
           <a:p>
             <a:fld id="{33067CA6-2D92-4602-87FB-B81B94BA46B2}" type="slidenum">
               <a:rPr lang="ru-RU" smtClean="0"/>
+              <a:t>‹#›</a:t>
             </a:fld>
             <a:endParaRPr lang="ru-RU" dirty="0"/>
           </a:p>
@@ -1283,6 +1293,7 @@
           <a:p>
             <a:fld id="{33067CA6-2D92-4602-87FB-B81B94BA46B2}" type="slidenum">
               <a:rPr lang="ru-RU" smtClean="0"/>
+              <a:t>‹#›</a:t>
             </a:fld>
             <a:endParaRPr lang="ru-RU" dirty="0"/>
           </a:p>
@@ -1313,7 +1324,6 @@
               <a:rPr lang="ru-RU" dirty="0"/>
               <a:t>Образец текста</a:t>
             </a:r>
-            <a:endParaRPr lang="ru-RU" dirty="0"/>
           </a:p>
           <a:p>
             <a:pPr lvl="1"/>
@@ -1321,7 +1331,6 @@
               <a:rPr lang="ru-RU" dirty="0"/>
               <a:t>Второй уровень</a:t>
             </a:r>
-            <a:endParaRPr lang="ru-RU" dirty="0"/>
           </a:p>
           <a:p>
             <a:pPr lvl="2"/>
@@ -1329,7 +1338,6 @@
               <a:rPr lang="ru-RU" dirty="0"/>
               <a:t>Третий уровень</a:t>
             </a:r>
-            <a:endParaRPr lang="ru-RU" dirty="0"/>
           </a:p>
           <a:p>
             <a:pPr lvl="3"/>
@@ -1337,7 +1345,6 @@
               <a:rPr lang="ru-RU" dirty="0"/>
               <a:t>Четвертый уровень</a:t>
             </a:r>
-            <a:endParaRPr lang="ru-RU" dirty="0"/>
           </a:p>
           <a:p>
             <a:pPr lvl="4"/>
@@ -1629,7 +1636,7 @@
     <p:bg>
       <p:bgPr>
         <a:blipFill dpi="0" rotWithShape="1">
-          <a:blip r:embed="rId6">
+          <a:blip r:embed="rId7">
             <a:lum/>
           </a:blip>
           <a:srcRect/>
@@ -1716,7 +1723,6 @@
               <a:rPr lang="ru-RU"/>
               <a:t>Образец текста</a:t>
             </a:r>
-            <a:endParaRPr lang="ru-RU"/>
           </a:p>
           <a:p>
             <a:pPr lvl="1"/>
@@ -1724,7 +1730,6 @@
               <a:rPr lang="ru-RU"/>
               <a:t>Второй уровень</a:t>
             </a:r>
-            <a:endParaRPr lang="ru-RU"/>
           </a:p>
           <a:p>
             <a:pPr lvl="2"/>
@@ -1732,7 +1737,6 @@
               <a:rPr lang="ru-RU"/>
               <a:t>Третий уровень</a:t>
             </a:r>
-            <a:endParaRPr lang="ru-RU"/>
           </a:p>
           <a:p>
             <a:pPr lvl="3"/>
@@ -1740,7 +1744,6 @@
               <a:rPr lang="ru-RU"/>
               <a:t>Четвертый уровень</a:t>
             </a:r>
-            <a:endParaRPr lang="ru-RU"/>
           </a:p>
           <a:p>
             <a:pPr lvl="4"/>
@@ -1786,6 +1789,7 @@
           <a:p>
             <a:fld id="{B3D7935A-E16E-4B6D-89BB-CEE100CDDA09}" type="datetime1">
               <a:rPr lang="ru-RU" smtClean="0"/>
+              <a:t>20.01.2018</a:t>
             </a:fld>
             <a:endParaRPr lang="ru-RU"/>
           </a:p>
@@ -1863,6 +1867,7 @@
           <a:p>
             <a:fld id="{33067CA6-2D92-4602-87FB-B81B94BA46B2}" type="slidenum">
               <a:rPr lang="ru-RU" smtClean="0"/>
+              <a:t>‹#›</a:t>
             </a:fld>
             <a:endParaRPr lang="ru-RU"/>
           </a:p>
@@ -2294,6 +2299,7 @@
           <a:p>
             <a:fld id="{33067CA6-2D92-4602-87FB-B81B94BA46B2}" type="slidenum">
               <a:rPr lang="ru-RU" smtClean="0"/>
+              <a:t>10</a:t>
             </a:fld>
             <a:endParaRPr lang="ru-RU" dirty="0"/>
           </a:p>
@@ -2359,8 +2365,20 @@
                 <a:tableStyleId>{85BE263C-DBD7-4A20-BB59-AAB30ACAA65A}</a:tableStyleId>
               </a:tblPr>
               <a:tblGrid>
-                <a:gridCol w="460375"/>
-                <a:gridCol w="1181100"/>
+                <a:gridCol w="460375">
+                  <a:extLst>
+                    <a:ext uri="{9D8B030D-6E8A-4147-A177-3AD203B41FA5}">
+                      <a16:colId xmlns:a16="http://schemas.microsoft.com/office/drawing/2014/main" val="20000"/>
+                    </a:ext>
+                  </a:extLst>
+                </a:gridCol>
+                <a:gridCol w="1181100">
+                  <a:extLst>
+                    <a:ext uri="{9D8B030D-6E8A-4147-A177-3AD203B41FA5}">
+                      <a16:colId xmlns:a16="http://schemas.microsoft.com/office/drawing/2014/main" val="20001"/>
+                    </a:ext>
+                  </a:extLst>
+                </a:gridCol>
               </a:tblGrid>
               <a:tr h="370840">
                 <a:tc>
@@ -2390,6 +2408,11 @@
                   </a:txBody>
                   <a:tcPr/>
                 </a:tc>
+                <a:extLst>
+                  <a:ext uri="{0D108BD9-81ED-4DB2-BD59-A6C34878D82A}">
+                    <a16:rowId xmlns:a16="http://schemas.microsoft.com/office/drawing/2014/main" val="10000"/>
+                  </a:ext>
+                </a:extLst>
               </a:tr>
               <a:tr h="370840">
                 <a:tc>
@@ -2419,6 +2442,11 @@
                   </a:txBody>
                   <a:tcPr/>
                 </a:tc>
+                <a:extLst>
+                  <a:ext uri="{0D108BD9-81ED-4DB2-BD59-A6C34878D82A}">
+                    <a16:rowId xmlns:a16="http://schemas.microsoft.com/office/drawing/2014/main" val="10001"/>
+                  </a:ext>
+                </a:extLst>
               </a:tr>
               <a:tr h="370840">
                 <a:tc>
@@ -2448,6 +2476,11 @@
                   </a:txBody>
                   <a:tcPr/>
                 </a:tc>
+                <a:extLst>
+                  <a:ext uri="{0D108BD9-81ED-4DB2-BD59-A6C34878D82A}">
+                    <a16:rowId xmlns:a16="http://schemas.microsoft.com/office/drawing/2014/main" val="10002"/>
+                  </a:ext>
+                </a:extLst>
               </a:tr>
               <a:tr h="370840">
                 <a:tc>
@@ -2477,6 +2510,11 @@
                   </a:txBody>
                   <a:tcPr/>
                 </a:tc>
+                <a:extLst>
+                  <a:ext uri="{0D108BD9-81ED-4DB2-BD59-A6C34878D82A}">
+                    <a16:rowId xmlns:a16="http://schemas.microsoft.com/office/drawing/2014/main" val="10003"/>
+                  </a:ext>
+                </a:extLst>
               </a:tr>
             </a:tbl>
           </a:graphicData>
@@ -2501,8 +2539,20 @@
                 <a:tableStyleId>{85BE263C-DBD7-4A20-BB59-AAB30ACAA65A}</a:tableStyleId>
               </a:tblPr>
               <a:tblGrid>
-                <a:gridCol w="525780"/>
-                <a:gridCol w="1406525"/>
+                <a:gridCol w="525780">
+                  <a:extLst>
+                    <a:ext uri="{9D8B030D-6E8A-4147-A177-3AD203B41FA5}">
+                      <a16:colId xmlns:a16="http://schemas.microsoft.com/office/drawing/2014/main" val="20000"/>
+                    </a:ext>
+                  </a:extLst>
+                </a:gridCol>
+                <a:gridCol w="1406525">
+                  <a:extLst>
+                    <a:ext uri="{9D8B030D-6E8A-4147-A177-3AD203B41FA5}">
+                      <a16:colId xmlns:a16="http://schemas.microsoft.com/office/drawing/2014/main" val="20001"/>
+                    </a:ext>
+                  </a:extLst>
+                </a:gridCol>
               </a:tblGrid>
               <a:tr h="370840">
                 <a:tc>
@@ -2532,6 +2582,11 @@
                   </a:txBody>
                   <a:tcPr/>
                 </a:tc>
+                <a:extLst>
+                  <a:ext uri="{0D108BD9-81ED-4DB2-BD59-A6C34878D82A}">
+                    <a16:rowId xmlns:a16="http://schemas.microsoft.com/office/drawing/2014/main" val="10000"/>
+                  </a:ext>
+                </a:extLst>
               </a:tr>
               <a:tr h="370840">
                 <a:tc>
@@ -2561,6 +2616,11 @@
                   </a:txBody>
                   <a:tcPr/>
                 </a:tc>
+                <a:extLst>
+                  <a:ext uri="{0D108BD9-81ED-4DB2-BD59-A6C34878D82A}">
+                    <a16:rowId xmlns:a16="http://schemas.microsoft.com/office/drawing/2014/main" val="10001"/>
+                  </a:ext>
+                </a:extLst>
               </a:tr>
               <a:tr h="370840">
                 <a:tc>
@@ -2590,6 +2650,11 @@
                   </a:txBody>
                   <a:tcPr/>
                 </a:tc>
+                <a:extLst>
+                  <a:ext uri="{0D108BD9-81ED-4DB2-BD59-A6C34878D82A}">
+                    <a16:rowId xmlns:a16="http://schemas.microsoft.com/office/drawing/2014/main" val="10002"/>
+                  </a:ext>
+                </a:extLst>
               </a:tr>
               <a:tr h="370840">
                 <a:tc>
@@ -2619,6 +2684,11 @@
                   </a:txBody>
                   <a:tcPr/>
                 </a:tc>
+                <a:extLst>
+                  <a:ext uri="{0D108BD9-81ED-4DB2-BD59-A6C34878D82A}">
+                    <a16:rowId xmlns:a16="http://schemas.microsoft.com/office/drawing/2014/main" val="10003"/>
+                  </a:ext>
+                </a:extLst>
               </a:tr>
               <a:tr h="370840">
                 <a:tc>
@@ -2648,6 +2718,11 @@
                   </a:txBody>
                   <a:tcPr/>
                 </a:tc>
+                <a:extLst>
+                  <a:ext uri="{0D108BD9-81ED-4DB2-BD59-A6C34878D82A}">
+                    <a16:rowId xmlns:a16="http://schemas.microsoft.com/office/drawing/2014/main" val="10004"/>
+                  </a:ext>
+                </a:extLst>
               </a:tr>
               <a:tr h="370840">
                 <a:tc>
@@ -2677,6 +2752,11 @@
                   </a:txBody>
                   <a:tcPr/>
                 </a:tc>
+                <a:extLst>
+                  <a:ext uri="{0D108BD9-81ED-4DB2-BD59-A6C34878D82A}">
+                    <a16:rowId xmlns:a16="http://schemas.microsoft.com/office/drawing/2014/main" val="10005"/>
+                  </a:ext>
+                </a:extLst>
               </a:tr>
               <a:tr h="370840">
                 <a:tc>
@@ -2706,6 +2786,11 @@
                   </a:txBody>
                   <a:tcPr/>
                 </a:tc>
+                <a:extLst>
+                  <a:ext uri="{0D108BD9-81ED-4DB2-BD59-A6C34878D82A}">
+                    <a16:rowId xmlns:a16="http://schemas.microsoft.com/office/drawing/2014/main" val="10006"/>
+                  </a:ext>
+                </a:extLst>
               </a:tr>
             </a:tbl>
           </a:graphicData>
@@ -2730,8 +2815,20 @@
                 <a:tableStyleId>{85BE263C-DBD7-4A20-BB59-AAB30ACAA65A}</a:tableStyleId>
               </a:tblPr>
               <a:tblGrid>
-                <a:gridCol w="495935"/>
-                <a:gridCol w="1433195"/>
+                <a:gridCol w="495935">
+                  <a:extLst>
+                    <a:ext uri="{9D8B030D-6E8A-4147-A177-3AD203B41FA5}">
+                      <a16:colId xmlns:a16="http://schemas.microsoft.com/office/drawing/2014/main" val="20000"/>
+                    </a:ext>
+                  </a:extLst>
+                </a:gridCol>
+                <a:gridCol w="1433195">
+                  <a:extLst>
+                    <a:ext uri="{9D8B030D-6E8A-4147-A177-3AD203B41FA5}">
+                      <a16:colId xmlns:a16="http://schemas.microsoft.com/office/drawing/2014/main" val="20001"/>
+                    </a:ext>
+                  </a:extLst>
+                </a:gridCol>
               </a:tblGrid>
               <a:tr h="370840">
                 <a:tc>
@@ -2761,6 +2858,11 @@
                   </a:txBody>
                   <a:tcPr/>
                 </a:tc>
+                <a:extLst>
+                  <a:ext uri="{0D108BD9-81ED-4DB2-BD59-A6C34878D82A}">
+                    <a16:rowId xmlns:a16="http://schemas.microsoft.com/office/drawing/2014/main" val="10000"/>
+                  </a:ext>
+                </a:extLst>
               </a:tr>
               <a:tr h="370840">
                 <a:tc>
@@ -2790,6 +2892,11 @@
                   </a:txBody>
                   <a:tcPr/>
                 </a:tc>
+                <a:extLst>
+                  <a:ext uri="{0D108BD9-81ED-4DB2-BD59-A6C34878D82A}">
+                    <a16:rowId xmlns:a16="http://schemas.microsoft.com/office/drawing/2014/main" val="10001"/>
+                  </a:ext>
+                </a:extLst>
               </a:tr>
               <a:tr h="370840">
                 <a:tc>
@@ -2819,6 +2926,11 @@
                   </a:txBody>
                   <a:tcPr/>
                 </a:tc>
+                <a:extLst>
+                  <a:ext uri="{0D108BD9-81ED-4DB2-BD59-A6C34878D82A}">
+                    <a16:rowId xmlns:a16="http://schemas.microsoft.com/office/drawing/2014/main" val="10002"/>
+                  </a:ext>
+                </a:extLst>
               </a:tr>
               <a:tr h="370840">
                 <a:tc>
@@ -2848,6 +2960,11 @@
                   </a:txBody>
                   <a:tcPr/>
                 </a:tc>
+                <a:extLst>
+                  <a:ext uri="{0D108BD9-81ED-4DB2-BD59-A6C34878D82A}">
+                    <a16:rowId xmlns:a16="http://schemas.microsoft.com/office/drawing/2014/main" val="10003"/>
+                  </a:ext>
+                </a:extLst>
               </a:tr>
             </a:tbl>
           </a:graphicData>
@@ -2936,7 +3053,6 @@
               <a:rPr lang="ru-RU" sz="2000" dirty="0"/>
               <a:t>Создается дополнительное поле в той таблице где будет меньше избыточных данных или же где меньше объектов</a:t>
             </a:r>
-            <a:endParaRPr lang="ru-RU" sz="2000" dirty="0"/>
           </a:p>
           <a:p>
             <a:pPr marL="0" indent="0">
@@ -2946,7 +3062,6 @@
               <a:rPr lang="ru-RU" sz="2000" dirty="0"/>
               <a:t> </a:t>
             </a:r>
-            <a:endParaRPr lang="ru-RU" sz="2000" dirty="0"/>
           </a:p>
           <a:p>
             <a:r>
@@ -3008,6 +3123,7 @@
           <a:p>
             <a:fld id="{33067CA6-2D92-4602-87FB-B81B94BA46B2}" type="slidenum">
               <a:rPr lang="ru-RU" smtClean="0"/>
+              <a:t>11</a:t>
             </a:fld>
             <a:endParaRPr lang="ru-RU" dirty="0"/>
           </a:p>
@@ -3092,7 +3208,6 @@
               <a:rPr lang="ru-RU" sz="3600" dirty="0"/>
               <a:t>   	Группы			 Студенты</a:t>
             </a:r>
-            <a:endParaRPr lang="ru-RU" sz="3600" dirty="0"/>
           </a:p>
         </p:txBody>
       </p:sp>
@@ -3113,6 +3228,7 @@
           <a:p>
             <a:fld id="{33067CA6-2D92-4602-87FB-B81B94BA46B2}" type="slidenum">
               <a:rPr lang="ru-RU" smtClean="0"/>
+              <a:t>12</a:t>
             </a:fld>
             <a:endParaRPr lang="ru-RU" dirty="0"/>
           </a:p>
@@ -3137,9 +3253,27 @@
                 <a:tableStyleId>{85BE263C-DBD7-4A20-BB59-AAB30ACAA65A}</a:tableStyleId>
               </a:tblPr>
               <a:tblGrid>
-                <a:gridCol w="433070"/>
-                <a:gridCol w="1159510"/>
-                <a:gridCol w="1784350"/>
+                <a:gridCol w="433070">
+                  <a:extLst>
+                    <a:ext uri="{9D8B030D-6E8A-4147-A177-3AD203B41FA5}">
+                      <a16:colId xmlns:a16="http://schemas.microsoft.com/office/drawing/2014/main" val="20000"/>
+                    </a:ext>
+                  </a:extLst>
+                </a:gridCol>
+                <a:gridCol w="1159510">
+                  <a:extLst>
+                    <a:ext uri="{9D8B030D-6E8A-4147-A177-3AD203B41FA5}">
+                      <a16:colId xmlns:a16="http://schemas.microsoft.com/office/drawing/2014/main" val="20001"/>
+                    </a:ext>
+                  </a:extLst>
+                </a:gridCol>
+                <a:gridCol w="1784350">
+                  <a:extLst>
+                    <a:ext uri="{9D8B030D-6E8A-4147-A177-3AD203B41FA5}">
+                      <a16:colId xmlns:a16="http://schemas.microsoft.com/office/drawing/2014/main" val="20002"/>
+                    </a:ext>
+                  </a:extLst>
+                </a:gridCol>
               </a:tblGrid>
               <a:tr h="370840">
                 <a:tc>
@@ -3186,6 +3320,11 @@
                   </a:txBody>
                   <a:tcPr/>
                 </a:tc>
+                <a:extLst>
+                  <a:ext uri="{0D108BD9-81ED-4DB2-BD59-A6C34878D82A}">
+                    <a16:rowId xmlns:a16="http://schemas.microsoft.com/office/drawing/2014/main" val="10000"/>
+                  </a:ext>
+                </a:extLst>
               </a:tr>
               <a:tr h="370840">
                 <a:tc>
@@ -3228,6 +3367,11 @@
                   </a:txBody>
                   <a:tcPr/>
                 </a:tc>
+                <a:extLst>
+                  <a:ext uri="{0D108BD9-81ED-4DB2-BD59-A6C34878D82A}">
+                    <a16:rowId xmlns:a16="http://schemas.microsoft.com/office/drawing/2014/main" val="10001"/>
+                  </a:ext>
+                </a:extLst>
               </a:tr>
               <a:tr h="370840">
                 <a:tc>
@@ -3270,6 +3414,11 @@
                   </a:txBody>
                   <a:tcPr/>
                 </a:tc>
+                <a:extLst>
+                  <a:ext uri="{0D108BD9-81ED-4DB2-BD59-A6C34878D82A}">
+                    <a16:rowId xmlns:a16="http://schemas.microsoft.com/office/drawing/2014/main" val="10002"/>
+                  </a:ext>
+                </a:extLst>
               </a:tr>
               <a:tr h="370840">
                 <a:tc>
@@ -3312,6 +3461,11 @@
                   </a:txBody>
                   <a:tcPr/>
                 </a:tc>
+                <a:extLst>
+                  <a:ext uri="{0D108BD9-81ED-4DB2-BD59-A6C34878D82A}">
+                    <a16:rowId xmlns:a16="http://schemas.microsoft.com/office/drawing/2014/main" val="10003"/>
+                  </a:ext>
+                </a:extLst>
               </a:tr>
             </a:tbl>
           </a:graphicData>
@@ -3336,9 +3490,27 @@
                 <a:tableStyleId>{85BE263C-DBD7-4A20-BB59-AAB30ACAA65A}</a:tableStyleId>
               </a:tblPr>
               <a:tblGrid>
-                <a:gridCol w="537210"/>
-                <a:gridCol w="1362075"/>
-                <a:gridCol w="1499870"/>
+                <a:gridCol w="537210">
+                  <a:extLst>
+                    <a:ext uri="{9D8B030D-6E8A-4147-A177-3AD203B41FA5}">
+                      <a16:colId xmlns:a16="http://schemas.microsoft.com/office/drawing/2014/main" val="20000"/>
+                    </a:ext>
+                  </a:extLst>
+                </a:gridCol>
+                <a:gridCol w="1362075">
+                  <a:extLst>
+                    <a:ext uri="{9D8B030D-6E8A-4147-A177-3AD203B41FA5}">
+                      <a16:colId xmlns:a16="http://schemas.microsoft.com/office/drawing/2014/main" val="20001"/>
+                    </a:ext>
+                  </a:extLst>
+                </a:gridCol>
+                <a:gridCol w="1499870">
+                  <a:extLst>
+                    <a:ext uri="{9D8B030D-6E8A-4147-A177-3AD203B41FA5}">
+                      <a16:colId xmlns:a16="http://schemas.microsoft.com/office/drawing/2014/main" val="20002"/>
+                    </a:ext>
+                  </a:extLst>
+                </a:gridCol>
               </a:tblGrid>
               <a:tr h="370840">
                 <a:tc>
@@ -3385,6 +3557,11 @@
                   </a:txBody>
                   <a:tcPr/>
                 </a:tc>
+                <a:extLst>
+                  <a:ext uri="{0D108BD9-81ED-4DB2-BD59-A6C34878D82A}">
+                    <a16:rowId xmlns:a16="http://schemas.microsoft.com/office/drawing/2014/main" val="10000"/>
+                  </a:ext>
+                </a:extLst>
               </a:tr>
               <a:tr h="370840">
                 <a:tc>
@@ -3427,6 +3604,11 @@
                   </a:txBody>
                   <a:tcPr/>
                 </a:tc>
+                <a:extLst>
+                  <a:ext uri="{0D108BD9-81ED-4DB2-BD59-A6C34878D82A}">
+                    <a16:rowId xmlns:a16="http://schemas.microsoft.com/office/drawing/2014/main" val="10001"/>
+                  </a:ext>
+                </a:extLst>
               </a:tr>
               <a:tr h="370840">
                 <a:tc>
@@ -3469,6 +3651,11 @@
                   </a:txBody>
                   <a:tcPr/>
                 </a:tc>
+                <a:extLst>
+                  <a:ext uri="{0D108BD9-81ED-4DB2-BD59-A6C34878D82A}">
+                    <a16:rowId xmlns:a16="http://schemas.microsoft.com/office/drawing/2014/main" val="10002"/>
+                  </a:ext>
+                </a:extLst>
               </a:tr>
               <a:tr h="370840">
                 <a:tc>
@@ -3511,6 +3698,11 @@
                   </a:txBody>
                   <a:tcPr/>
                 </a:tc>
+                <a:extLst>
+                  <a:ext uri="{0D108BD9-81ED-4DB2-BD59-A6C34878D82A}">
+                    <a16:rowId xmlns:a16="http://schemas.microsoft.com/office/drawing/2014/main" val="10003"/>
+                  </a:ext>
+                </a:extLst>
               </a:tr>
               <a:tr h="370840">
                 <a:tc>
@@ -3553,6 +3745,11 @@
                   </a:txBody>
                   <a:tcPr/>
                 </a:tc>
+                <a:extLst>
+                  <a:ext uri="{0D108BD9-81ED-4DB2-BD59-A6C34878D82A}">
+                    <a16:rowId xmlns:a16="http://schemas.microsoft.com/office/drawing/2014/main" val="10004"/>
+                  </a:ext>
+                </a:extLst>
               </a:tr>
               <a:tr h="370840">
                 <a:tc>
@@ -3595,6 +3792,11 @@
                   </a:txBody>
                   <a:tcPr/>
                 </a:tc>
+                <a:extLst>
+                  <a:ext uri="{0D108BD9-81ED-4DB2-BD59-A6C34878D82A}">
+                    <a16:rowId xmlns:a16="http://schemas.microsoft.com/office/drawing/2014/main" val="10005"/>
+                  </a:ext>
+                </a:extLst>
               </a:tr>
               <a:tr h="370840">
                 <a:tc>
@@ -3637,6 +3839,11 @@
                   </a:txBody>
                   <a:tcPr/>
                 </a:tc>
+                <a:extLst>
+                  <a:ext uri="{0D108BD9-81ED-4DB2-BD59-A6C34878D82A}">
+                    <a16:rowId xmlns:a16="http://schemas.microsoft.com/office/drawing/2014/main" val="10006"/>
+                  </a:ext>
+                </a:extLst>
               </a:tr>
             </a:tbl>
           </a:graphicData>
@@ -3742,6 +3949,7 @@
           <a:p>
             <a:fld id="{33067CA6-2D92-4602-87FB-B81B94BA46B2}" type="slidenum">
               <a:rPr lang="ru-RU" smtClean="0"/>
+              <a:t>13</a:t>
             </a:fld>
             <a:endParaRPr lang="ru-RU" dirty="0"/>
           </a:p>
@@ -3766,8 +3974,20 @@
                 <a:tableStyleId>{85BE263C-DBD7-4A20-BB59-AAB30ACAA65A}</a:tableStyleId>
               </a:tblPr>
               <a:tblGrid>
-                <a:gridCol w="363146"/>
-                <a:gridCol w="1080120"/>
+                <a:gridCol w="363146">
+                  <a:extLst>
+                    <a:ext uri="{9D8B030D-6E8A-4147-A177-3AD203B41FA5}">
+                      <a16:colId xmlns:a16="http://schemas.microsoft.com/office/drawing/2014/main" val="20000"/>
+                    </a:ext>
+                  </a:extLst>
+                </a:gridCol>
+                <a:gridCol w="1080120">
+                  <a:extLst>
+                    <a:ext uri="{9D8B030D-6E8A-4147-A177-3AD203B41FA5}">
+                      <a16:colId xmlns:a16="http://schemas.microsoft.com/office/drawing/2014/main" val="20001"/>
+                    </a:ext>
+                  </a:extLst>
+                </a:gridCol>
               </a:tblGrid>
               <a:tr h="370840">
                 <a:tc>
@@ -3797,6 +4017,11 @@
                   </a:txBody>
                   <a:tcPr/>
                 </a:tc>
+                <a:extLst>
+                  <a:ext uri="{0D108BD9-81ED-4DB2-BD59-A6C34878D82A}">
+                    <a16:rowId xmlns:a16="http://schemas.microsoft.com/office/drawing/2014/main" val="10000"/>
+                  </a:ext>
+                </a:extLst>
               </a:tr>
               <a:tr h="370840">
                 <a:tc>
@@ -3826,6 +4051,11 @@
                   </a:txBody>
                   <a:tcPr/>
                 </a:tc>
+                <a:extLst>
+                  <a:ext uri="{0D108BD9-81ED-4DB2-BD59-A6C34878D82A}">
+                    <a16:rowId xmlns:a16="http://schemas.microsoft.com/office/drawing/2014/main" val="10001"/>
+                  </a:ext>
+                </a:extLst>
               </a:tr>
               <a:tr h="370840">
                 <a:tc>
@@ -3855,6 +4085,11 @@
                   </a:txBody>
                   <a:tcPr/>
                 </a:tc>
+                <a:extLst>
+                  <a:ext uri="{0D108BD9-81ED-4DB2-BD59-A6C34878D82A}">
+                    <a16:rowId xmlns:a16="http://schemas.microsoft.com/office/drawing/2014/main" val="10002"/>
+                  </a:ext>
+                </a:extLst>
               </a:tr>
               <a:tr h="370840">
                 <a:tc>
@@ -3883,6 +4118,11 @@
                   </a:txBody>
                   <a:tcPr/>
                 </a:tc>
+                <a:extLst>
+                  <a:ext uri="{0D108BD9-81ED-4DB2-BD59-A6C34878D82A}">
+                    <a16:rowId xmlns:a16="http://schemas.microsoft.com/office/drawing/2014/main" val="10003"/>
+                  </a:ext>
+                </a:extLst>
               </a:tr>
             </a:tbl>
           </a:graphicData>
@@ -3907,8 +4147,20 @@
                 <a:tableStyleId>{85BE263C-DBD7-4A20-BB59-AAB30ACAA65A}</a:tableStyleId>
               </a:tblPr>
               <a:tblGrid>
-                <a:gridCol w="1415897"/>
-                <a:gridCol w="1224136"/>
+                <a:gridCol w="1415897">
+                  <a:extLst>
+                    <a:ext uri="{9D8B030D-6E8A-4147-A177-3AD203B41FA5}">
+                      <a16:colId xmlns:a16="http://schemas.microsoft.com/office/drawing/2014/main" val="20000"/>
+                    </a:ext>
+                  </a:extLst>
+                </a:gridCol>
+                <a:gridCol w="1224136">
+                  <a:extLst>
+                    <a:ext uri="{9D8B030D-6E8A-4147-A177-3AD203B41FA5}">
+                      <a16:colId xmlns:a16="http://schemas.microsoft.com/office/drawing/2014/main" val="20001"/>
+                    </a:ext>
+                  </a:extLst>
+                </a:gridCol>
               </a:tblGrid>
               <a:tr h="370840">
                 <a:tc>
@@ -3945,6 +4197,11 @@
                   </a:txBody>
                   <a:tcPr/>
                 </a:tc>
+                <a:extLst>
+                  <a:ext uri="{0D108BD9-81ED-4DB2-BD59-A6C34878D82A}">
+                    <a16:rowId xmlns:a16="http://schemas.microsoft.com/office/drawing/2014/main" val="10000"/>
+                  </a:ext>
+                </a:extLst>
               </a:tr>
               <a:tr h="370840">
                 <a:tc>
@@ -3973,6 +4230,11 @@
                   </a:txBody>
                   <a:tcPr/>
                 </a:tc>
+                <a:extLst>
+                  <a:ext uri="{0D108BD9-81ED-4DB2-BD59-A6C34878D82A}">
+                    <a16:rowId xmlns:a16="http://schemas.microsoft.com/office/drawing/2014/main" val="10001"/>
+                  </a:ext>
+                </a:extLst>
               </a:tr>
               <a:tr h="370840">
                 <a:tc>
@@ -4001,6 +4263,11 @@
                   </a:txBody>
                   <a:tcPr/>
                 </a:tc>
+                <a:extLst>
+                  <a:ext uri="{0D108BD9-81ED-4DB2-BD59-A6C34878D82A}">
+                    <a16:rowId xmlns:a16="http://schemas.microsoft.com/office/drawing/2014/main" val="10002"/>
+                  </a:ext>
+                </a:extLst>
               </a:tr>
               <a:tr h="370840">
                 <a:tc>
@@ -4029,6 +4296,11 @@
                   </a:txBody>
                   <a:tcPr/>
                 </a:tc>
+                <a:extLst>
+                  <a:ext uri="{0D108BD9-81ED-4DB2-BD59-A6C34878D82A}">
+                    <a16:rowId xmlns:a16="http://schemas.microsoft.com/office/drawing/2014/main" val="10003"/>
+                  </a:ext>
+                </a:extLst>
               </a:tr>
               <a:tr h="370840">
                 <a:tc>
@@ -4057,6 +4329,11 @@
                   </a:txBody>
                   <a:tcPr/>
                 </a:tc>
+                <a:extLst>
+                  <a:ext uri="{0D108BD9-81ED-4DB2-BD59-A6C34878D82A}">
+                    <a16:rowId xmlns:a16="http://schemas.microsoft.com/office/drawing/2014/main" val="10004"/>
+                  </a:ext>
+                </a:extLst>
               </a:tr>
             </a:tbl>
           </a:graphicData>
@@ -4081,10 +4358,34 @@
                 <a:tableStyleId>{85BE263C-DBD7-4A20-BB59-AAB30ACAA65A}</a:tableStyleId>
               </a:tblPr>
               <a:tblGrid>
-                <a:gridCol w="387409"/>
-                <a:gridCol w="936104"/>
-                <a:gridCol w="1413916"/>
-                <a:gridCol w="1394396"/>
+                <a:gridCol w="387409">
+                  <a:extLst>
+                    <a:ext uri="{9D8B030D-6E8A-4147-A177-3AD203B41FA5}">
+                      <a16:colId xmlns:a16="http://schemas.microsoft.com/office/drawing/2014/main" val="20000"/>
+                    </a:ext>
+                  </a:extLst>
+                </a:gridCol>
+                <a:gridCol w="936104">
+                  <a:extLst>
+                    <a:ext uri="{9D8B030D-6E8A-4147-A177-3AD203B41FA5}">
+                      <a16:colId xmlns:a16="http://schemas.microsoft.com/office/drawing/2014/main" val="20001"/>
+                    </a:ext>
+                  </a:extLst>
+                </a:gridCol>
+                <a:gridCol w="1413916">
+                  <a:extLst>
+                    <a:ext uri="{9D8B030D-6E8A-4147-A177-3AD203B41FA5}">
+                      <a16:colId xmlns:a16="http://schemas.microsoft.com/office/drawing/2014/main" val="20002"/>
+                    </a:ext>
+                  </a:extLst>
+                </a:gridCol>
+                <a:gridCol w="1394396">
+                  <a:extLst>
+                    <a:ext uri="{9D8B030D-6E8A-4147-A177-3AD203B41FA5}">
+                      <a16:colId xmlns:a16="http://schemas.microsoft.com/office/drawing/2014/main" val="20003"/>
+                    </a:ext>
+                  </a:extLst>
+                </a:gridCol>
               </a:tblGrid>
               <a:tr h="370840">
                 <a:tc>
@@ -4148,6 +4449,11 @@
                   </a:txBody>
                   <a:tcPr/>
                 </a:tc>
+                <a:extLst>
+                  <a:ext uri="{0D108BD9-81ED-4DB2-BD59-A6C34878D82A}">
+                    <a16:rowId xmlns:a16="http://schemas.microsoft.com/office/drawing/2014/main" val="10000"/>
+                  </a:ext>
+                </a:extLst>
               </a:tr>
               <a:tr h="370840">
                 <a:tc>
@@ -4202,6 +4508,11 @@
                   </a:txBody>
                   <a:tcPr/>
                 </a:tc>
+                <a:extLst>
+                  <a:ext uri="{0D108BD9-81ED-4DB2-BD59-A6C34878D82A}">
+                    <a16:rowId xmlns:a16="http://schemas.microsoft.com/office/drawing/2014/main" val="10001"/>
+                  </a:ext>
+                </a:extLst>
               </a:tr>
               <a:tr h="370840">
                 <a:tc>
@@ -4256,6 +4567,11 @@
                   </a:txBody>
                   <a:tcPr/>
                 </a:tc>
+                <a:extLst>
+                  <a:ext uri="{0D108BD9-81ED-4DB2-BD59-A6C34878D82A}">
+                    <a16:rowId xmlns:a16="http://schemas.microsoft.com/office/drawing/2014/main" val="10002"/>
+                  </a:ext>
+                </a:extLst>
               </a:tr>
               <a:tr h="370840">
                 <a:tc>
@@ -4310,6 +4626,11 @@
                   </a:txBody>
                   <a:tcPr/>
                 </a:tc>
+                <a:extLst>
+                  <a:ext uri="{0D108BD9-81ED-4DB2-BD59-A6C34878D82A}">
+                    <a16:rowId xmlns:a16="http://schemas.microsoft.com/office/drawing/2014/main" val="10003"/>
+                  </a:ext>
+                </a:extLst>
               </a:tr>
               <a:tr h="370840">
                 <a:tc>
@@ -4364,6 +4685,11 @@
                   </a:txBody>
                   <a:tcPr/>
                 </a:tc>
+                <a:extLst>
+                  <a:ext uri="{0D108BD9-81ED-4DB2-BD59-A6C34878D82A}">
+                    <a16:rowId xmlns:a16="http://schemas.microsoft.com/office/drawing/2014/main" val="10004"/>
+                  </a:ext>
+                </a:extLst>
               </a:tr>
               <a:tr h="370840">
                 <a:tc>
@@ -4418,6 +4744,11 @@
                   </a:txBody>
                   <a:tcPr/>
                 </a:tc>
+                <a:extLst>
+                  <a:ext uri="{0D108BD9-81ED-4DB2-BD59-A6C34878D82A}">
+                    <a16:rowId xmlns:a16="http://schemas.microsoft.com/office/drawing/2014/main" val="10005"/>
+                  </a:ext>
+                </a:extLst>
               </a:tr>
               <a:tr h="370840">
                 <a:tc>
@@ -4472,6 +4803,11 @@
                   </a:txBody>
                   <a:tcPr/>
                 </a:tc>
+                <a:extLst>
+                  <a:ext uri="{0D108BD9-81ED-4DB2-BD59-A6C34878D82A}">
+                    <a16:rowId xmlns:a16="http://schemas.microsoft.com/office/drawing/2014/main" val="10006"/>
+                  </a:ext>
+                </a:extLst>
               </a:tr>
               <a:tr h="370840">
                 <a:tc>
@@ -4526,6 +4862,11 @@
                   </a:txBody>
                   <a:tcPr/>
                 </a:tc>
+                <a:extLst>
+                  <a:ext uri="{0D108BD9-81ED-4DB2-BD59-A6C34878D82A}">
+                    <a16:rowId xmlns:a16="http://schemas.microsoft.com/office/drawing/2014/main" val="10007"/>
+                  </a:ext>
+                </a:extLst>
               </a:tr>
               <a:tr h="370840">
                 <a:tc>
@@ -4580,6 +4921,11 @@
                   </a:txBody>
                   <a:tcPr/>
                 </a:tc>
+                <a:extLst>
+                  <a:ext uri="{0D108BD9-81ED-4DB2-BD59-A6C34878D82A}">
+                    <a16:rowId xmlns:a16="http://schemas.microsoft.com/office/drawing/2014/main" val="10008"/>
+                  </a:ext>
+                </a:extLst>
               </a:tr>
             </a:tbl>
           </a:graphicData>
@@ -4652,6 +4998,7 @@
           <a:p>
             <a:fld id="{33067CA6-2D92-4602-87FB-B81B94BA46B2}" type="slidenum">
               <a:rPr lang="ru-RU" smtClean="0"/>
+              <a:t>14</a:t>
             </a:fld>
             <a:endParaRPr lang="ru-RU" dirty="0"/>
           </a:p>
@@ -4683,35 +5030,30 @@
               <a:rPr lang="ru-RU" sz="2400" dirty="0"/>
               <a:t>Студент</a:t>
             </a:r>
-            <a:endParaRPr lang="ru-RU" sz="2400" dirty="0"/>
           </a:p>
           <a:p>
             <a:r>
               <a:rPr lang="ru-RU" sz="2400" dirty="0"/>
               <a:t>Группа</a:t>
             </a:r>
-            <a:endParaRPr lang="ru-RU" sz="2400" dirty="0"/>
           </a:p>
           <a:p>
             <a:r>
               <a:rPr lang="ru-RU" sz="2400" dirty="0"/>
               <a:t>Предмет</a:t>
             </a:r>
-            <a:endParaRPr lang="ru-RU" sz="2400" dirty="0"/>
           </a:p>
           <a:p>
             <a:r>
               <a:rPr lang="ru-RU" sz="2400" dirty="0"/>
               <a:t>Оценка</a:t>
             </a:r>
-            <a:endParaRPr lang="ru-RU" sz="2400" dirty="0"/>
           </a:p>
           <a:p>
             <a:r>
               <a:rPr lang="ru-RU" sz="2400" dirty="0"/>
               <a:t>Экзамен</a:t>
             </a:r>
-            <a:endParaRPr lang="ru-RU" sz="2400" dirty="0"/>
           </a:p>
           <a:p>
             <a:endParaRPr lang="ru-RU" sz="2400" dirty="0"/>
@@ -4888,7 +5230,6 @@
               <a:rPr lang="ru-RU" sz="2400" dirty="0"/>
               <a:t>Отношения</a:t>
             </a:r>
-            <a:endParaRPr lang="ru-RU" sz="2400" dirty="0"/>
           </a:p>
           <a:p>
             <a:r>
@@ -4903,14 +5244,12 @@
               <a:rPr lang="ru-RU" sz="2400" dirty="0"/>
               <a:t>Студент</a:t>
             </a:r>
-            <a:endParaRPr lang="ru-RU" sz="2400" dirty="0"/>
           </a:p>
           <a:p>
             <a:r>
               <a:rPr lang="ru-RU" sz="2400" dirty="0"/>
               <a:t>Группа 1:1 Староста</a:t>
             </a:r>
-            <a:endParaRPr lang="ru-RU" sz="2400" dirty="0"/>
           </a:p>
           <a:p>
             <a:endParaRPr lang="ru-RU" sz="2400" dirty="0"/>
@@ -4928,7 +5267,6 @@
               <a:rPr lang="ru-RU" sz="2400" dirty="0"/>
               <a:t>:1 Предмет</a:t>
             </a:r>
-            <a:endParaRPr lang="ru-RU" sz="2400" dirty="0"/>
           </a:p>
           <a:p>
             <a:r>
@@ -4943,7 +5281,6 @@
               <a:rPr lang="ru-RU" sz="2400" dirty="0"/>
               <a:t>:1 Группа</a:t>
             </a:r>
-            <a:endParaRPr lang="ru-RU" sz="2400" dirty="0"/>
           </a:p>
           <a:p>
             <a:r>
@@ -4958,7 +5295,6 @@
               <a:rPr lang="ru-RU" sz="2400" dirty="0"/>
               <a:t>Экзамен</a:t>
             </a:r>
-            <a:endParaRPr lang="ru-RU" sz="2400" dirty="0"/>
           </a:p>
           <a:p>
             <a:r>
@@ -4973,7 +5309,6 @@
               <a:rPr lang="ru-RU" sz="2400" dirty="0"/>
               <a:t>Студент</a:t>
             </a:r>
-            <a:endParaRPr lang="ru-RU" sz="2400" dirty="0"/>
           </a:p>
           <a:p>
             <a:endParaRPr lang="ru-RU" sz="2400" dirty="0"/>
@@ -5103,6 +5438,7 @@
           <a:p>
             <a:fld id="{33067CA6-2D92-4602-87FB-B81B94BA46B2}" type="slidenum">
               <a:rPr lang="ru-RU" smtClean="0"/>
+              <a:t>15</a:t>
             </a:fld>
             <a:endParaRPr lang="ru-RU" dirty="0"/>
           </a:p>
@@ -5127,8 +5463,20 @@
                 <a:tableStyleId>{85BE263C-DBD7-4A20-BB59-AAB30ACAA65A}</a:tableStyleId>
               </a:tblPr>
               <a:tblGrid>
-                <a:gridCol w="363146"/>
-                <a:gridCol w="1080120"/>
+                <a:gridCol w="363146">
+                  <a:extLst>
+                    <a:ext uri="{9D8B030D-6E8A-4147-A177-3AD203B41FA5}">
+                      <a16:colId xmlns:a16="http://schemas.microsoft.com/office/drawing/2014/main" val="20000"/>
+                    </a:ext>
+                  </a:extLst>
+                </a:gridCol>
+                <a:gridCol w="1080120">
+                  <a:extLst>
+                    <a:ext uri="{9D8B030D-6E8A-4147-A177-3AD203B41FA5}">
+                      <a16:colId xmlns:a16="http://schemas.microsoft.com/office/drawing/2014/main" val="20001"/>
+                    </a:ext>
+                  </a:extLst>
+                </a:gridCol>
               </a:tblGrid>
               <a:tr h="370840">
                 <a:tc>
@@ -5158,6 +5506,11 @@
                   </a:txBody>
                   <a:tcPr/>
                 </a:tc>
+                <a:extLst>
+                  <a:ext uri="{0D108BD9-81ED-4DB2-BD59-A6C34878D82A}">
+                    <a16:rowId xmlns:a16="http://schemas.microsoft.com/office/drawing/2014/main" val="10000"/>
+                  </a:ext>
+                </a:extLst>
               </a:tr>
               <a:tr h="370840">
                 <a:tc>
@@ -5187,6 +5540,11 @@
                   </a:txBody>
                   <a:tcPr/>
                 </a:tc>
+                <a:extLst>
+                  <a:ext uri="{0D108BD9-81ED-4DB2-BD59-A6C34878D82A}">
+                    <a16:rowId xmlns:a16="http://schemas.microsoft.com/office/drawing/2014/main" val="10001"/>
+                  </a:ext>
+                </a:extLst>
               </a:tr>
               <a:tr h="370840">
                 <a:tc>
@@ -5216,6 +5574,11 @@
                   </a:txBody>
                   <a:tcPr/>
                 </a:tc>
+                <a:extLst>
+                  <a:ext uri="{0D108BD9-81ED-4DB2-BD59-A6C34878D82A}">
+                    <a16:rowId xmlns:a16="http://schemas.microsoft.com/office/drawing/2014/main" val="10002"/>
+                  </a:ext>
+                </a:extLst>
               </a:tr>
               <a:tr h="370840">
                 <a:tc>
@@ -5244,6 +5607,11 @@
                   </a:txBody>
                   <a:tcPr/>
                 </a:tc>
+                <a:extLst>
+                  <a:ext uri="{0D108BD9-81ED-4DB2-BD59-A6C34878D82A}">
+                    <a16:rowId xmlns:a16="http://schemas.microsoft.com/office/drawing/2014/main" val="10003"/>
+                  </a:ext>
+                </a:extLst>
               </a:tr>
             </a:tbl>
           </a:graphicData>
@@ -5268,9 +5636,27 @@
                 <a:tableStyleId>{85BE263C-DBD7-4A20-BB59-AAB30ACAA65A}</a:tableStyleId>
               </a:tblPr>
               <a:tblGrid>
-                <a:gridCol w="471371"/>
-                <a:gridCol w="1335553"/>
-                <a:gridCol w="1073396"/>
+                <a:gridCol w="471371">
+                  <a:extLst>
+                    <a:ext uri="{9D8B030D-6E8A-4147-A177-3AD203B41FA5}">
+                      <a16:colId xmlns:a16="http://schemas.microsoft.com/office/drawing/2014/main" val="20000"/>
+                    </a:ext>
+                  </a:extLst>
+                </a:gridCol>
+                <a:gridCol w="1335553">
+                  <a:extLst>
+                    <a:ext uri="{9D8B030D-6E8A-4147-A177-3AD203B41FA5}">
+                      <a16:colId xmlns:a16="http://schemas.microsoft.com/office/drawing/2014/main" val="20001"/>
+                    </a:ext>
+                  </a:extLst>
+                </a:gridCol>
+                <a:gridCol w="1073396">
+                  <a:extLst>
+                    <a:ext uri="{9D8B030D-6E8A-4147-A177-3AD203B41FA5}">
+                      <a16:colId xmlns:a16="http://schemas.microsoft.com/office/drawing/2014/main" val="20002"/>
+                    </a:ext>
+                  </a:extLst>
+                </a:gridCol>
               </a:tblGrid>
               <a:tr h="370840">
                 <a:tc>
@@ -5321,6 +5707,11 @@
                   </a:txBody>
                   <a:tcPr/>
                 </a:tc>
+                <a:extLst>
+                  <a:ext uri="{0D108BD9-81ED-4DB2-BD59-A6C34878D82A}">
+                    <a16:rowId xmlns:a16="http://schemas.microsoft.com/office/drawing/2014/main" val="10000"/>
+                  </a:ext>
+                </a:extLst>
               </a:tr>
               <a:tr h="370840">
                 <a:tc>
@@ -5363,6 +5754,11 @@
                   </a:txBody>
                   <a:tcPr/>
                 </a:tc>
+                <a:extLst>
+                  <a:ext uri="{0D108BD9-81ED-4DB2-BD59-A6C34878D82A}">
+                    <a16:rowId xmlns:a16="http://schemas.microsoft.com/office/drawing/2014/main" val="10001"/>
+                  </a:ext>
+                </a:extLst>
               </a:tr>
               <a:tr h="370840">
                 <a:tc>
@@ -5405,6 +5801,11 @@
                   </a:txBody>
                   <a:tcPr/>
                 </a:tc>
+                <a:extLst>
+                  <a:ext uri="{0D108BD9-81ED-4DB2-BD59-A6C34878D82A}">
+                    <a16:rowId xmlns:a16="http://schemas.microsoft.com/office/drawing/2014/main" val="10002"/>
+                  </a:ext>
+                </a:extLst>
               </a:tr>
               <a:tr h="370840">
                 <a:tc>
@@ -5447,6 +5848,11 @@
                   </a:txBody>
                   <a:tcPr/>
                 </a:tc>
+                <a:extLst>
+                  <a:ext uri="{0D108BD9-81ED-4DB2-BD59-A6C34878D82A}">
+                    <a16:rowId xmlns:a16="http://schemas.microsoft.com/office/drawing/2014/main" val="10003"/>
+                  </a:ext>
+                </a:extLst>
               </a:tr>
               <a:tr h="370840">
                 <a:tc>
@@ -5489,6 +5895,11 @@
                   </a:txBody>
                   <a:tcPr/>
                 </a:tc>
+                <a:extLst>
+                  <a:ext uri="{0D108BD9-81ED-4DB2-BD59-A6C34878D82A}">
+                    <a16:rowId xmlns:a16="http://schemas.microsoft.com/office/drawing/2014/main" val="10004"/>
+                  </a:ext>
+                </a:extLst>
               </a:tr>
             </a:tbl>
           </a:graphicData>
@@ -5513,10 +5924,34 @@
                 <a:tableStyleId>{85BE263C-DBD7-4A20-BB59-AAB30ACAA65A}</a:tableStyleId>
               </a:tblPr>
               <a:tblGrid>
-                <a:gridCol w="387409"/>
-                <a:gridCol w="936104"/>
-                <a:gridCol w="1413916"/>
-                <a:gridCol w="1394396"/>
+                <a:gridCol w="387409">
+                  <a:extLst>
+                    <a:ext uri="{9D8B030D-6E8A-4147-A177-3AD203B41FA5}">
+                      <a16:colId xmlns:a16="http://schemas.microsoft.com/office/drawing/2014/main" val="20000"/>
+                    </a:ext>
+                  </a:extLst>
+                </a:gridCol>
+                <a:gridCol w="936104">
+                  <a:extLst>
+                    <a:ext uri="{9D8B030D-6E8A-4147-A177-3AD203B41FA5}">
+                      <a16:colId xmlns:a16="http://schemas.microsoft.com/office/drawing/2014/main" val="20001"/>
+                    </a:ext>
+                  </a:extLst>
+                </a:gridCol>
+                <a:gridCol w="1413916">
+                  <a:extLst>
+                    <a:ext uri="{9D8B030D-6E8A-4147-A177-3AD203B41FA5}">
+                      <a16:colId xmlns:a16="http://schemas.microsoft.com/office/drawing/2014/main" val="20002"/>
+                    </a:ext>
+                  </a:extLst>
+                </a:gridCol>
+                <a:gridCol w="1394396">
+                  <a:extLst>
+                    <a:ext uri="{9D8B030D-6E8A-4147-A177-3AD203B41FA5}">
+                      <a16:colId xmlns:a16="http://schemas.microsoft.com/office/drawing/2014/main" val="20003"/>
+                    </a:ext>
+                  </a:extLst>
+                </a:gridCol>
               </a:tblGrid>
               <a:tr h="358502">
                 <a:tc>
@@ -5580,6 +6015,11 @@
                   </a:txBody>
                   <a:tcPr/>
                 </a:tc>
+                <a:extLst>
+                  <a:ext uri="{0D108BD9-81ED-4DB2-BD59-A6C34878D82A}">
+                    <a16:rowId xmlns:a16="http://schemas.microsoft.com/office/drawing/2014/main" val="10000"/>
+                  </a:ext>
+                </a:extLst>
               </a:tr>
               <a:tr h="370840">
                 <a:tc>
@@ -5634,6 +6074,11 @@
                   </a:txBody>
                   <a:tcPr/>
                 </a:tc>
+                <a:extLst>
+                  <a:ext uri="{0D108BD9-81ED-4DB2-BD59-A6C34878D82A}">
+                    <a16:rowId xmlns:a16="http://schemas.microsoft.com/office/drawing/2014/main" val="10001"/>
+                  </a:ext>
+                </a:extLst>
               </a:tr>
               <a:tr h="370840">
                 <a:tc>
@@ -5688,6 +6133,11 @@
                   </a:txBody>
                   <a:tcPr/>
                 </a:tc>
+                <a:extLst>
+                  <a:ext uri="{0D108BD9-81ED-4DB2-BD59-A6C34878D82A}">
+                    <a16:rowId xmlns:a16="http://schemas.microsoft.com/office/drawing/2014/main" val="10002"/>
+                  </a:ext>
+                </a:extLst>
               </a:tr>
               <a:tr h="370840">
                 <a:tc>
@@ -5742,6 +6192,11 @@
                   </a:txBody>
                   <a:tcPr/>
                 </a:tc>
+                <a:extLst>
+                  <a:ext uri="{0D108BD9-81ED-4DB2-BD59-A6C34878D82A}">
+                    <a16:rowId xmlns:a16="http://schemas.microsoft.com/office/drawing/2014/main" val="10003"/>
+                  </a:ext>
+                </a:extLst>
               </a:tr>
               <a:tr h="370840">
                 <a:tc>
@@ -5796,6 +6251,11 @@
                   </a:txBody>
                   <a:tcPr/>
                 </a:tc>
+                <a:extLst>
+                  <a:ext uri="{0D108BD9-81ED-4DB2-BD59-A6C34878D82A}">
+                    <a16:rowId xmlns:a16="http://schemas.microsoft.com/office/drawing/2014/main" val="10004"/>
+                  </a:ext>
+                </a:extLst>
               </a:tr>
               <a:tr h="370840">
                 <a:tc>
@@ -5850,6 +6310,11 @@
                   </a:txBody>
                   <a:tcPr/>
                 </a:tc>
+                <a:extLst>
+                  <a:ext uri="{0D108BD9-81ED-4DB2-BD59-A6C34878D82A}">
+                    <a16:rowId xmlns:a16="http://schemas.microsoft.com/office/drawing/2014/main" val="10005"/>
+                  </a:ext>
+                </a:extLst>
               </a:tr>
               <a:tr h="370840">
                 <a:tc>
@@ -5905,6 +6370,11 @@
                   </a:txBody>
                   <a:tcPr/>
                 </a:tc>
+                <a:extLst>
+                  <a:ext uri="{0D108BD9-81ED-4DB2-BD59-A6C34878D82A}">
+                    <a16:rowId xmlns:a16="http://schemas.microsoft.com/office/drawing/2014/main" val="10006"/>
+                  </a:ext>
+                </a:extLst>
               </a:tr>
               <a:tr h="370840">
                 <a:tc>
@@ -5960,6 +6430,11 @@
                   </a:txBody>
                   <a:tcPr/>
                 </a:tc>
+                <a:extLst>
+                  <a:ext uri="{0D108BD9-81ED-4DB2-BD59-A6C34878D82A}">
+                    <a16:rowId xmlns:a16="http://schemas.microsoft.com/office/drawing/2014/main" val="10007"/>
+                  </a:ext>
+                </a:extLst>
               </a:tr>
               <a:tr h="370840">
                 <a:tc>
@@ -6015,6 +6490,11 @@
                   </a:txBody>
                   <a:tcPr/>
                 </a:tc>
+                <a:extLst>
+                  <a:ext uri="{0D108BD9-81ED-4DB2-BD59-A6C34878D82A}">
+                    <a16:rowId xmlns:a16="http://schemas.microsoft.com/office/drawing/2014/main" val="10008"/>
+                  </a:ext>
+                </a:extLst>
               </a:tr>
             </a:tbl>
           </a:graphicData>
@@ -6100,21 +6580,18 @@
               <a:rPr lang="en-US" sz="2000" dirty="0"/>
               <a:t>PostgreSQL</a:t>
             </a:r>
-            <a:endParaRPr lang="en-US" sz="2000" dirty="0"/>
           </a:p>
           <a:p>
             <a:r>
               <a:rPr lang="ru-RU" sz="2000" dirty="0"/>
               <a:t>Присоединиться к СУБД из консоли</a:t>
             </a:r>
-            <a:endParaRPr lang="ru-RU" sz="2000" dirty="0"/>
           </a:p>
           <a:p>
             <a:r>
               <a:rPr lang="ru-RU" sz="2000" dirty="0"/>
               <a:t>Прочитать и записать синтаксис:</a:t>
             </a:r>
-            <a:endParaRPr lang="ru-RU" sz="2000" dirty="0"/>
           </a:p>
           <a:p>
             <a:pPr lvl="1"/>
@@ -6122,7 +6599,6 @@
               <a:rPr lang="ru-RU" sz="2000" dirty="0"/>
               <a:t>Литеры и операторы</a:t>
             </a:r>
-            <a:endParaRPr lang="ru-RU" sz="2000" dirty="0"/>
           </a:p>
           <a:p>
             <a:pPr lvl="1"/>
@@ -6130,7 +6606,6 @@
               <a:rPr lang="ru-RU" sz="2000" dirty="0"/>
               <a:t>Типы</a:t>
             </a:r>
-            <a:endParaRPr lang="ru-RU" sz="2000" dirty="0"/>
           </a:p>
           <a:p>
             <a:pPr lvl="1"/>
@@ -6138,7 +6613,6 @@
               <a:rPr lang="ru-RU" sz="2000" dirty="0"/>
               <a:t>Создание таблицы</a:t>
             </a:r>
-            <a:endParaRPr lang="ru-RU" sz="2000" dirty="0"/>
           </a:p>
           <a:p>
             <a:pPr lvl="1"/>
@@ -6146,7 +6620,6 @@
               <a:rPr lang="ru-RU" sz="2000" dirty="0"/>
               <a:t>Удаление таблицы</a:t>
             </a:r>
-            <a:endParaRPr lang="ru-RU" sz="2000" dirty="0"/>
           </a:p>
           <a:p>
             <a:pPr lvl="1"/>
@@ -6154,7 +6627,6 @@
               <a:rPr lang="ru-RU" sz="2000" dirty="0"/>
               <a:t>Изменение структуры таблицы</a:t>
             </a:r>
-            <a:endParaRPr lang="ru-RU" sz="2000" dirty="0"/>
           </a:p>
           <a:p>
             <a:pPr lvl="1"/>
@@ -6170,7 +6642,6 @@
               <a:rPr lang="ru-RU" sz="2000" dirty="0"/>
               <a:t>на одной таблице</a:t>
             </a:r>
-            <a:endParaRPr lang="ru-RU" sz="2000" dirty="0"/>
           </a:p>
           <a:p>
             <a:pPr lvl="2"/>
@@ -6178,7 +6649,6 @@
               <a:rPr lang="ru-RU" sz="2000" dirty="0"/>
               <a:t>Выборки - только простые</a:t>
             </a:r>
-            <a:endParaRPr lang="ru-RU" sz="2000" dirty="0"/>
           </a:p>
           <a:p>
             <a:pPr lvl="1"/>
@@ -6210,6 +6680,7 @@
           <a:p>
             <a:fld id="{33067CA6-2D92-4602-87FB-B81B94BA46B2}" type="slidenum">
               <a:rPr lang="ru-RU" smtClean="0"/>
+              <a:t>16</a:t>
             </a:fld>
             <a:endParaRPr lang="ru-RU" dirty="0"/>
           </a:p>
@@ -6294,35 +6765,30 @@
               <a:rPr lang="ru-RU" sz="4000" dirty="0"/>
               <a:t>Требования</a:t>
             </a:r>
-            <a:endParaRPr lang="ru-RU" sz="4000" dirty="0"/>
           </a:p>
           <a:p>
             <a:r>
               <a:rPr lang="ru-RU" sz="2400" dirty="0"/>
               <a:t>4-5 Таблиц</a:t>
             </a:r>
-            <a:endParaRPr lang="ru-RU" sz="2400" dirty="0"/>
           </a:p>
           <a:p>
             <a:r>
               <a:rPr lang="ru-RU" sz="2400" dirty="0"/>
               <a:t>2 таблицы не менее 5 полей</a:t>
             </a:r>
-            <a:endParaRPr lang="ru-RU" sz="2400" dirty="0"/>
           </a:p>
           <a:p>
             <a:r>
               <a:rPr lang="ru-RU" sz="2400" dirty="0"/>
               <a:t>Корректные названия таблиц, полей</a:t>
             </a:r>
-            <a:endParaRPr lang="ru-RU" sz="2400" dirty="0"/>
           </a:p>
           <a:p>
             <a:r>
               <a:rPr lang="ru-RU" sz="2400" dirty="0"/>
               <a:t>Верные типы данных</a:t>
             </a:r>
-            <a:endParaRPr lang="ru-RU" sz="2400" dirty="0"/>
           </a:p>
           <a:p>
             <a:r>
@@ -6350,6 +6816,7 @@
           <a:p>
             <a:fld id="{33067CA6-2D92-4602-87FB-B81B94BA46B2}" type="slidenum">
               <a:rPr lang="ru-RU" smtClean="0"/>
+              <a:t>17</a:t>
             </a:fld>
             <a:endParaRPr lang="ru-RU" dirty="0"/>
           </a:p>
@@ -6423,7 +6890,7 @@
         </p:spPr>
         <p:txBody>
           <a:bodyPr>
-            <a:normAutofit fontScale="75000" lnSpcReduction="20000"/>
+            <a:normAutofit fontScale="82500" lnSpcReduction="20000"/>
           </a:bodyPr>
           <a:lstStyle/>
           <a:p>
@@ -6434,7 +6901,6 @@
               <a:rPr lang="ru-RU" dirty="0"/>
               <a:t>Этапы и баллы</a:t>
             </a:r>
-            <a:endParaRPr lang="ru-RU" dirty="0"/>
           </a:p>
           <a:p>
             <a:pPr marL="0" indent="0">
@@ -6451,7 +6917,6 @@
               <a:rPr lang="ru-RU" sz="2600" dirty="0"/>
               <a:t>Согласование схемы БД – 4 балла </a:t>
             </a:r>
-            <a:endParaRPr lang="ru-RU" sz="2600" dirty="0"/>
           </a:p>
           <a:p>
             <a:pPr marL="457200" indent="-457200">
@@ -6462,7 +6927,6 @@
               <a:rPr lang="ru-RU" sz="2600" dirty="0"/>
               <a:t>Приемка первой части схемы БД – 8 баллов</a:t>
             </a:r>
-            <a:endParaRPr lang="ru-RU" sz="2600" dirty="0"/>
           </a:p>
           <a:p>
             <a:pPr marL="457200" indent="-457200">
@@ -6473,7 +6937,6 @@
               <a:rPr lang="ru-RU" sz="2600" dirty="0"/>
               <a:t>Приемка второй части схемы БД – 8 баллов</a:t>
             </a:r>
-            <a:endParaRPr lang="ru-RU" sz="2600" dirty="0"/>
           </a:p>
           <a:p>
             <a:pPr marL="457200" indent="-457200">
@@ -6484,7 +6947,6 @@
               <a:rPr lang="ru-RU" sz="2600" dirty="0"/>
               <a:t>Написание 4-х легких запросов с описанием – 4 баллов</a:t>
             </a:r>
-            <a:endParaRPr lang="ru-RU" sz="2600" dirty="0"/>
           </a:p>
           <a:p>
             <a:pPr marL="457200" indent="-457200">
@@ -6503,7 +6965,6 @@
               <a:rPr lang="ru-RU" sz="2600" dirty="0"/>
               <a:t>запросов с описанием – 9 баллов</a:t>
             </a:r>
-            <a:endParaRPr lang="ru-RU" sz="2600" dirty="0"/>
           </a:p>
           <a:p>
             <a:pPr marL="457200" indent="-457200">
@@ -6522,7 +6983,6 @@
               <a:rPr lang="ru-RU" sz="2600" dirty="0"/>
               <a:t> запросов с описанием – 9 баллов</a:t>
             </a:r>
-            <a:endParaRPr lang="ru-RU" sz="2600" dirty="0"/>
           </a:p>
           <a:p>
             <a:pPr marL="457200" indent="-457200">
@@ -6533,7 +6993,6 @@
               <a:rPr lang="ru-RU" sz="2600" dirty="0"/>
               <a:t>Оформление работы перед зачетом – 2 балла</a:t>
             </a:r>
-            <a:endParaRPr lang="ru-RU" sz="2600" dirty="0"/>
           </a:p>
           <a:p>
             <a:pPr marL="0" indent="0">
@@ -6549,7 +7008,6 @@
               <a:rPr lang="ru-RU" sz="2000" dirty="0"/>
               <a:t>Оставшиеся 8 баллов можно получить написав два сложных запроса по БД Студенты, с которой мы работаем на паре, по 4 балла за запрос.</a:t>
             </a:r>
-            <a:endParaRPr lang="ru-RU" sz="2000" dirty="0"/>
           </a:p>
           <a:p>
             <a:pPr marL="0" indent="0">
@@ -6585,6 +7043,7 @@
           <a:p>
             <a:fld id="{33067CA6-2D92-4602-87FB-B81B94BA46B2}" type="slidenum">
               <a:rPr lang="ru-RU" smtClean="0"/>
+              <a:t>18</a:t>
             </a:fld>
             <a:endParaRPr lang="ru-RU" dirty="0"/>
           </a:p>
@@ -6691,7 +7150,6 @@
               <a:rPr lang="ru-RU" sz="2000" dirty="0"/>
               <a:t>У каждого студента есть возможность один раз показать пробную версию сдаваемой части работы, в срок не менее чем за неделю до окончания соответствующего этапа, получить небольшую рецензию и исправить недочеты, но чем раньше - тем лучше, иначе я могу не успеть проверить работу.</a:t>
             </a:r>
-            <a:endParaRPr lang="ru-RU" sz="2000" dirty="0"/>
           </a:p>
           <a:p>
             <a:pPr marL="457200" indent="-457200">
@@ -6702,7 +7160,6 @@
               <a:rPr lang="ru-RU" sz="2000" dirty="0"/>
               <a:t>При несоблюдении студентом сроков сдачи каждого этапа работы, из полученного количества баллов за этот этап вычитается 40%.</a:t>
             </a:r>
-            <a:endParaRPr lang="ru-RU" sz="2000" dirty="0"/>
           </a:p>
           <a:p>
             <a:pPr marL="457200" indent="-457200">
@@ -6733,6 +7190,7 @@
           <a:p>
             <a:fld id="{33067CA6-2D92-4602-87FB-B81B94BA46B2}" type="slidenum">
               <a:rPr lang="ru-RU" smtClean="0"/>
+              <a:t>19</a:t>
             </a:fld>
             <a:endParaRPr lang="ru-RU" dirty="0"/>
           </a:p>
@@ -6814,21 +7272,18 @@
               <a:rPr lang="ru-RU" sz="4000" dirty="0"/>
               <a:t>БД и СУБД?</a:t>
             </a:r>
-            <a:endParaRPr lang="ru-RU" sz="4000" dirty="0"/>
           </a:p>
           <a:p>
             <a:r>
               <a:rPr lang="ru-RU" sz="4000" dirty="0"/>
               <a:t>Что хранить и в каком формате?</a:t>
             </a:r>
-            <a:endParaRPr lang="ru-RU" sz="4000" dirty="0"/>
           </a:p>
           <a:p>
             <a:r>
               <a:rPr lang="ru-RU" sz="4000" dirty="0"/>
               <a:t>В чем же проблема?</a:t>
             </a:r>
-            <a:endParaRPr lang="ru-RU" sz="4000" dirty="0"/>
           </a:p>
           <a:p>
             <a:r>
@@ -6855,6 +7310,7 @@
           <a:p>
             <a:fld id="{33067CA6-2D92-4602-87FB-B81B94BA46B2}" type="slidenum">
               <a:rPr lang="ru-RU" smtClean="0"/>
+              <a:t>2</a:t>
             </a:fld>
             <a:endParaRPr lang="ru-RU" dirty="0"/>
           </a:p>
@@ -6939,7 +7395,6 @@
               <a:rPr lang="ru-RU" dirty="0"/>
               <a:t>Пересдача</a:t>
             </a:r>
-            <a:endParaRPr lang="ru-RU" dirty="0"/>
           </a:p>
           <a:p>
             <a:pPr marL="0" indent="0">
@@ -6955,7 +7410,6 @@
               <a:rPr lang="ru-RU" sz="2400" dirty="0"/>
               <a:t>На пересдаче вся работа принимается заново, все недочеты могут быть исправлены, но из результата вычитается 20%.</a:t>
             </a:r>
-            <a:endParaRPr lang="ru-RU" sz="2400" dirty="0"/>
           </a:p>
           <a:p>
             <a:pPr marL="0" indent="0">
@@ -6982,6 +7436,7 @@
           <a:p>
             <a:fld id="{33067CA6-2D92-4602-87FB-B81B94BA46B2}" type="slidenum">
               <a:rPr lang="ru-RU" smtClean="0"/>
+              <a:t>20</a:t>
             </a:fld>
             <a:endParaRPr lang="ru-RU" dirty="0"/>
           </a:p>
@@ -7066,7 +7521,6 @@
               <a:rPr lang="ru-RU" sz="2000" dirty="0"/>
               <a:t>Командная строка:</a:t>
             </a:r>
-            <a:endParaRPr lang="ru-RU" sz="2000" dirty="0"/>
           </a:p>
           <a:p>
             <a:pPr marL="0" indent="0">
@@ -7074,9 +7528,9 @@
             </a:pPr>
             <a:r>
               <a:rPr lang="en-US" sz="2000" dirty="0">
-                <a:hlinkClick r:id="rId1"/>
+                <a:hlinkClick r:id="rId2"/>
               </a:rPr>
-              <a:t>https://postgrespro.ru/docs/postgrespro/9.5/app-psql.html</a:t>
+              <a:t>https://postgrespro.ru/docs/postgrespro/9.6/app-psql.html</a:t>
             </a:r>
             <a:endParaRPr lang="ru-RU" sz="2000" dirty="0"/>
           </a:p>
@@ -7094,7 +7548,6 @@
               <a:rPr lang="ru-RU" sz="2000" dirty="0"/>
               <a:t>Литеры:</a:t>
             </a:r>
-            <a:endParaRPr lang="ru-RU" sz="2000" dirty="0"/>
           </a:p>
           <a:p>
             <a:pPr marL="0" indent="0">
@@ -7102,9 +7555,9 @@
             </a:pPr>
             <a:r>
               <a:rPr lang="en-US" sz="2000" dirty="0">
-                <a:hlinkClick r:id="rId2"/>
+                <a:hlinkClick r:id="rId3"/>
               </a:rPr>
-              <a:t>https://postgrespro.ru/docs/postgrespro/9.5/sql-syntax-lexical.html</a:t>
+              <a:t>https://postgrespro.ru/docs/postgrespro/9.6/sql-syntax-lexical</a:t>
             </a:r>
             <a:endParaRPr lang="ru-RU" sz="2000" dirty="0"/>
           </a:p>
@@ -7138,7 +7591,6 @@
               <a:rPr lang="ru-RU" sz="2000" dirty="0"/>
               <a:t>:</a:t>
             </a:r>
-            <a:endParaRPr lang="ru-RU" sz="2000" dirty="0"/>
           </a:p>
           <a:p>
             <a:pPr marL="0" indent="0">
@@ -7146,9 +7598,9 @@
             </a:pPr>
             <a:r>
               <a:rPr lang="en-US" sz="2000" dirty="0">
-                <a:hlinkClick r:id="rId3"/>
+                <a:hlinkClick r:id="rId4"/>
               </a:rPr>
-              <a:t>https://postgrespro.ru/docs/postgrespro/9.5/functions.html</a:t>
+              <a:t>https://postgrespro.ru/docs/postgrespro/9.6/functions</a:t>
             </a:r>
             <a:endParaRPr lang="ru-RU" sz="2000" dirty="0"/>
           </a:p>
@@ -7182,7 +7634,6 @@
               <a:rPr lang="ru-RU" sz="2000" dirty="0"/>
               <a:t>):</a:t>
             </a:r>
-            <a:endParaRPr lang="ru-RU" sz="2000" dirty="0"/>
           </a:p>
           <a:p>
             <a:pPr marL="0" indent="0">
@@ -7190,9 +7641,9 @@
             </a:pPr>
             <a:r>
               <a:rPr lang="en-US" sz="2000" dirty="0">
-                <a:hlinkClick r:id="rId4"/>
+                <a:hlinkClick r:id="rId5"/>
               </a:rPr>
-              <a:t>https://postgrespro.ru/docs/postgrespro/9.5/datatype.html</a:t>
+              <a:t>https://postgrespro.ru/docs/postgrespro/9.6/datatype</a:t>
             </a:r>
             <a:endParaRPr lang="ru-RU" sz="2000" dirty="0"/>
           </a:p>
@@ -7215,6 +7666,7 @@
           <a:p>
             <a:fld id="{33067CA6-2D92-4602-87FB-B81B94BA46B2}" type="slidenum">
               <a:rPr lang="ru-RU" smtClean="0"/>
+              <a:t>21</a:t>
             </a:fld>
             <a:endParaRPr lang="ru-RU" dirty="0"/>
           </a:p>
@@ -7315,7 +7767,6 @@
               <a:rPr lang="ru-RU" sz="2000" dirty="0"/>
               <a:t>:</a:t>
             </a:r>
-            <a:endParaRPr lang="ru-RU" sz="2000" dirty="0"/>
           </a:p>
           <a:p>
             <a:pPr marL="0" indent="0">
@@ -7323,9 +7774,9 @@
             </a:pPr>
             <a:r>
               <a:rPr lang="en-US" sz="2000" dirty="0">
-                <a:hlinkClick r:id="rId1"/>
+                <a:hlinkClick r:id="rId2"/>
               </a:rPr>
-              <a:t>https://postgrespro.ru/docs/postgrespro/9.5/sql.html</a:t>
+              <a:t>https://postgrespro.ru/docs/postgrespro/9.6/sql-syntax-lexical</a:t>
             </a:r>
             <a:endParaRPr lang="ru-RU" sz="2000" dirty="0"/>
           </a:p>
@@ -7363,9 +7814,9 @@
             </a:pPr>
             <a:r>
               <a:rPr lang="en-US" sz="2000" dirty="0">
-                <a:hlinkClick r:id="rId2"/>
+                <a:hlinkClick r:id="rId3"/>
               </a:rPr>
-              <a:t>https://postgrespro.ru/docs/postgrespro/9.5/dml.html</a:t>
+              <a:t>https://postgrespro.ru/docs/postgrespro/9.6/dml</a:t>
             </a:r>
             <a:endParaRPr lang="ru-RU" sz="2000" dirty="0"/>
           </a:p>
@@ -7411,9 +7862,9 @@
             </a:pPr>
             <a:r>
               <a:rPr lang="en-US" sz="2000" dirty="0">
-                <a:hlinkClick r:id="rId3"/>
+                <a:hlinkClick r:id="rId4"/>
               </a:rPr>
-              <a:t>https://postgrespro.ru/docs/postgrespro/9.5/queries.html</a:t>
+              <a:t>https://postgrespro.ru/docs/postgrespro/9.6/queries</a:t>
             </a:r>
             <a:endParaRPr lang="ru-RU" sz="2000" dirty="0"/>
           </a:p>
@@ -7443,7 +7894,6 @@
               <a:rPr lang="ru-RU" sz="2000" dirty="0"/>
               <a:t>:</a:t>
             </a:r>
-            <a:endParaRPr lang="ru-RU" sz="2000" dirty="0"/>
           </a:p>
           <a:p>
             <a:pPr marL="0" indent="0">
@@ -7451,9 +7901,9 @@
             </a:pPr>
             <a:r>
               <a:rPr lang="en-US" sz="2000" dirty="0">
-                <a:hlinkClick r:id="rId4"/>
+                <a:hlinkClick r:id="rId5"/>
               </a:rPr>
-              <a:t>https://postgrespro.ru/docs/postgrespro/9.5/backup.html</a:t>
+              <a:t>https://postgrespro.ru/docs/postgrespro/9.6/backup</a:t>
             </a:r>
             <a:endParaRPr lang="ru-RU" sz="2000" dirty="0"/>
           </a:p>
@@ -7476,6 +7926,7 @@
           <a:p>
             <a:fld id="{33067CA6-2D92-4602-87FB-B81B94BA46B2}" type="slidenum">
               <a:rPr lang="ru-RU" smtClean="0"/>
+              <a:t>22</a:t>
             </a:fld>
             <a:endParaRPr lang="ru-RU" dirty="0"/>
           </a:p>
@@ -7605,7 +8056,7 @@
             </a:pPr>
             <a:r>
               <a:rPr lang="en-US" sz="2000" dirty="0">
-                <a:hlinkClick r:id="rId1"/>
+                <a:hlinkClick r:id="rId2"/>
               </a:rPr>
               <a:t>http://www.postgresql.org/</a:t>
             </a:r>
@@ -7629,7 +8080,7 @@
             </a:r>
             <a:r>
               <a:rPr lang="en-US" sz="2000" dirty="0"/>
-              <a:t>5</a:t>
+              <a:t>6</a:t>
             </a:r>
             <a:endParaRPr lang="ru-RU" sz="2000" dirty="0"/>
           </a:p>
@@ -7651,35 +8102,30 @@
               <a:rPr lang="en-US" sz="2800" dirty="0"/>
               <a:t>PostgreSQL?</a:t>
             </a:r>
-            <a:endParaRPr lang="en-US" sz="2800" dirty="0"/>
           </a:p>
           <a:p>
             <a:r>
               <a:rPr lang="ru-RU" sz="2000" dirty="0"/>
               <a:t>Открытый исходный код</a:t>
             </a:r>
-            <a:endParaRPr lang="ru-RU" sz="2000" dirty="0"/>
           </a:p>
           <a:p>
             <a:r>
               <a:rPr lang="ru-RU" sz="2000" dirty="0"/>
               <a:t>Репликация</a:t>
             </a:r>
-            <a:endParaRPr lang="ru-RU" sz="2000" dirty="0"/>
           </a:p>
           <a:p>
             <a:r>
               <a:rPr lang="ru-RU" sz="2000" dirty="0"/>
               <a:t>Гибкие типы данных</a:t>
             </a:r>
-            <a:endParaRPr lang="ru-RU" sz="2000" dirty="0"/>
           </a:p>
           <a:p>
             <a:r>
               <a:rPr lang="ru-RU" sz="2000" dirty="0"/>
               <a:t>Пользовательские языки</a:t>
             </a:r>
-            <a:endParaRPr lang="ru-RU" sz="2000" dirty="0"/>
           </a:p>
           <a:p>
             <a:pPr marL="0" indent="0">
@@ -7695,7 +8141,6 @@
               <a:rPr lang="ru-RU" sz="2800" dirty="0"/>
               <a:t>Мануал</a:t>
             </a:r>
-            <a:endParaRPr lang="ru-RU" sz="2800" dirty="0"/>
           </a:p>
           <a:p>
             <a:pPr marL="0" indent="0">
@@ -7703,9 +8148,9 @@
             </a:pPr>
             <a:r>
               <a:rPr lang="en-US" sz="2000" dirty="0">
-                <a:hlinkClick r:id="rId2"/>
+                <a:hlinkClick r:id="rId3"/>
               </a:rPr>
-              <a:t>https://www.postgresql.org/docs/9.4/static/index.html</a:t>
+              <a:t>https://www.postgresql.org/docs/9.6/static/index.html</a:t>
             </a:r>
             <a:endParaRPr lang="ru-RU" sz="2000" dirty="0"/>
           </a:p>
@@ -7715,9 +8160,9 @@
             </a:pPr>
             <a:r>
               <a:rPr lang="en-US" sz="2000" dirty="0">
-                <a:hlinkClick r:id="rId3"/>
+                <a:hlinkClick r:id="rId4"/>
               </a:rPr>
-              <a:t>https://postgrespro.ru/docs/postgrespro/9.5</a:t>
+              <a:t>https://postgrespro.ru/docs/postgrespro/9.6</a:t>
             </a:r>
             <a:endParaRPr lang="ru-RU" sz="2000" dirty="0"/>
           </a:p>
@@ -7746,6 +8191,7 @@
           <a:p>
             <a:fld id="{33067CA6-2D92-4602-87FB-B81B94BA46B2}" type="slidenum">
               <a:rPr lang="ru-RU" smtClean="0"/>
+              <a:t>3</a:t>
             </a:fld>
             <a:endParaRPr lang="ru-RU" dirty="0"/>
           </a:p>
@@ -7830,7 +8276,6 @@
               <a:rPr lang="ru-RU" sz="2600" dirty="0"/>
               <a:t>Нормальные Формы</a:t>
             </a:r>
-            <a:endParaRPr lang="ru-RU" sz="2600" dirty="0"/>
           </a:p>
           <a:p>
             <a:pPr marL="0" indent="0">
@@ -7852,7 +8297,6 @@
               <a:rPr lang="ru-RU" sz="2600" dirty="0"/>
               <a:t> – об атомарности</a:t>
             </a:r>
-            <a:endParaRPr lang="ru-RU" sz="2600" dirty="0"/>
           </a:p>
           <a:p>
             <a:pPr marL="0" indent="0">
@@ -7882,7 +8326,6 @@
               <a:rPr lang="ru-RU" sz="2600" dirty="0"/>
               <a:t> атрибутов</a:t>
             </a:r>
-            <a:endParaRPr lang="ru-RU" sz="2600" dirty="0"/>
           </a:p>
           <a:p>
             <a:pPr marL="0" indent="0">
@@ -7904,7 +8347,6 @@
               <a:rPr lang="ru-RU" sz="2600" dirty="0"/>
               <a:t> – устранение транзитивных зависимостей</a:t>
             </a:r>
-            <a:endParaRPr lang="ru-RU" sz="2600" dirty="0"/>
           </a:p>
           <a:p>
             <a:pPr marL="0" indent="0">
@@ -7946,7 +8388,6 @@
               <a:rPr lang="en-US" sz="2600" dirty="0"/>
               <a:t>/PJNF”</a:t>
             </a:r>
-            <a:endParaRPr lang="en-US" sz="2600" dirty="0"/>
           </a:p>
           <a:p>
             <a:pPr marL="0" indent="0">
@@ -7962,7 +8403,6 @@
               <a:rPr lang="ru-RU" sz="2600" dirty="0"/>
               <a:t>Нормализация – последовательное приведение к определенной НФ</a:t>
             </a:r>
-            <a:endParaRPr lang="ru-RU" sz="2600" dirty="0"/>
           </a:p>
         </p:txBody>
       </p:sp>
@@ -7983,6 +8423,7 @@
           <a:p>
             <a:fld id="{33067CA6-2D92-4602-87FB-B81B94BA46B2}" type="slidenum">
               <a:rPr lang="ru-RU" smtClean="0"/>
+              <a:t>4</a:t>
             </a:fld>
             <a:endParaRPr lang="ru-RU" dirty="0"/>
           </a:p>
@@ -8087,6 +8528,7 @@
           <a:p>
             <a:fld id="{33067CA6-2D92-4602-87FB-B81B94BA46B2}" type="slidenum">
               <a:rPr lang="ru-RU" smtClean="0"/>
+              <a:t>5</a:t>
             </a:fld>
             <a:endParaRPr lang="ru-RU" dirty="0"/>
           </a:p>
@@ -8111,10 +8553,34 @@
                 <a:tableStyleId>{85BE263C-DBD7-4A20-BB59-AAB30ACAA65A}</a:tableStyleId>
               </a:tblPr>
               <a:tblGrid>
-                <a:gridCol w="2057830"/>
-                <a:gridCol w="2057830"/>
-                <a:gridCol w="2057830"/>
-                <a:gridCol w="2057830"/>
+                <a:gridCol w="2057830">
+                  <a:extLst>
+                    <a:ext uri="{9D8B030D-6E8A-4147-A177-3AD203B41FA5}">
+                      <a16:colId xmlns:a16="http://schemas.microsoft.com/office/drawing/2014/main" val="20000"/>
+                    </a:ext>
+                  </a:extLst>
+                </a:gridCol>
+                <a:gridCol w="2057830">
+                  <a:extLst>
+                    <a:ext uri="{9D8B030D-6E8A-4147-A177-3AD203B41FA5}">
+                      <a16:colId xmlns:a16="http://schemas.microsoft.com/office/drawing/2014/main" val="20001"/>
+                    </a:ext>
+                  </a:extLst>
+                </a:gridCol>
+                <a:gridCol w="2057830">
+                  <a:extLst>
+                    <a:ext uri="{9D8B030D-6E8A-4147-A177-3AD203B41FA5}">
+                      <a16:colId xmlns:a16="http://schemas.microsoft.com/office/drawing/2014/main" val="20002"/>
+                    </a:ext>
+                  </a:extLst>
+                </a:gridCol>
+                <a:gridCol w="2057830">
+                  <a:extLst>
+                    <a:ext uri="{9D8B030D-6E8A-4147-A177-3AD203B41FA5}">
+                      <a16:colId xmlns:a16="http://schemas.microsoft.com/office/drawing/2014/main" val="20003"/>
+                    </a:ext>
+                  </a:extLst>
+                </a:gridCol>
               </a:tblGrid>
               <a:tr h="306824">
                 <a:tc>
@@ -8169,6 +8635,11 @@
                   </a:txBody>
                   <a:tcPr/>
                 </a:tc>
+                <a:extLst>
+                  <a:ext uri="{0D108BD9-81ED-4DB2-BD59-A6C34878D82A}">
+                    <a16:rowId xmlns:a16="http://schemas.microsoft.com/office/drawing/2014/main" val="10000"/>
+                  </a:ext>
+                </a:extLst>
               </a:tr>
               <a:tr h="370840">
                 <a:tc>
@@ -8180,14 +8651,12 @@
                         <a:rPr lang="ru-RU" dirty="0"/>
                         <a:t>Иванов</a:t>
                       </a:r>
-                      <a:endParaRPr lang="ru-RU" dirty="0"/>
                     </a:p>
                     <a:p>
                       <a:r>
                         <a:rPr lang="ru-RU" dirty="0"/>
                         <a:t>Петров</a:t>
                       </a:r>
-                      <a:endParaRPr lang="ru-RU" dirty="0"/>
                     </a:p>
                     <a:p>
                       <a:r>
@@ -8241,6 +8710,11 @@
                   </a:txBody>
                   <a:tcPr/>
                 </a:tc>
+                <a:extLst>
+                  <a:ext uri="{0D108BD9-81ED-4DB2-BD59-A6C34878D82A}">
+                    <a16:rowId xmlns:a16="http://schemas.microsoft.com/office/drawing/2014/main" val="10001"/>
+                  </a:ext>
+                </a:extLst>
               </a:tr>
               <a:tr h="370840">
                 <a:tc>
@@ -8252,7 +8726,6 @@
                         <a:rPr lang="ru-RU" dirty="0"/>
                         <a:t>Петров</a:t>
                       </a:r>
-                      <a:endParaRPr lang="ru-RU" dirty="0"/>
                     </a:p>
                     <a:p>
                       <a:r>
@@ -8302,7 +8775,6 @@
                         <a:rPr lang="ru-RU" dirty="0"/>
                         <a:t> 4,5</a:t>
                       </a:r>
-                      <a:endParaRPr lang="ru-RU" dirty="0"/>
                     </a:p>
                     <a:p>
                       <a:r>
@@ -8317,6 +8789,11 @@
                   </a:txBody>
                   <a:tcPr/>
                 </a:tc>
+                <a:extLst>
+                  <a:ext uri="{0D108BD9-81ED-4DB2-BD59-A6C34878D82A}">
+                    <a16:rowId xmlns:a16="http://schemas.microsoft.com/office/drawing/2014/main" val="10002"/>
+                  </a:ext>
+                </a:extLst>
               </a:tr>
               <a:tr h="370840">
                 <a:tc>
@@ -8371,6 +8848,11 @@
                   </a:txBody>
                   <a:tcPr/>
                 </a:tc>
+                <a:extLst>
+                  <a:ext uri="{0D108BD9-81ED-4DB2-BD59-A6C34878D82A}">
+                    <a16:rowId xmlns:a16="http://schemas.microsoft.com/office/drawing/2014/main" val="10003"/>
+                  </a:ext>
+                </a:extLst>
               </a:tr>
             </a:tbl>
           </a:graphicData>
@@ -8443,6 +8925,7 @@
           <a:p>
             <a:fld id="{33067CA6-2D92-4602-87FB-B81B94BA46B2}" type="slidenum">
               <a:rPr lang="ru-RU" smtClean="0"/>
+              <a:t>6</a:t>
             </a:fld>
             <a:endParaRPr lang="ru-RU" dirty="0"/>
           </a:p>
@@ -8469,11 +8952,41 @@
                 <a:tableStyleId>{85BE263C-DBD7-4A20-BB59-AAB30ACAA65A}</a:tableStyleId>
               </a:tblPr>
               <a:tblGrid>
-                <a:gridCol w="1684987"/>
-                <a:gridCol w="1684987"/>
-                <a:gridCol w="1684987"/>
-                <a:gridCol w="1684987"/>
-                <a:gridCol w="1684987"/>
+                <a:gridCol w="1684987">
+                  <a:extLst>
+                    <a:ext uri="{9D8B030D-6E8A-4147-A177-3AD203B41FA5}">
+                      <a16:colId xmlns:a16="http://schemas.microsoft.com/office/drawing/2014/main" val="20000"/>
+                    </a:ext>
+                  </a:extLst>
+                </a:gridCol>
+                <a:gridCol w="1684987">
+                  <a:extLst>
+                    <a:ext uri="{9D8B030D-6E8A-4147-A177-3AD203B41FA5}">
+                      <a16:colId xmlns:a16="http://schemas.microsoft.com/office/drawing/2014/main" val="20001"/>
+                    </a:ext>
+                  </a:extLst>
+                </a:gridCol>
+                <a:gridCol w="1684987">
+                  <a:extLst>
+                    <a:ext uri="{9D8B030D-6E8A-4147-A177-3AD203B41FA5}">
+                      <a16:colId xmlns:a16="http://schemas.microsoft.com/office/drawing/2014/main" val="20002"/>
+                    </a:ext>
+                  </a:extLst>
+                </a:gridCol>
+                <a:gridCol w="1684987">
+                  <a:extLst>
+                    <a:ext uri="{9D8B030D-6E8A-4147-A177-3AD203B41FA5}">
+                      <a16:colId xmlns:a16="http://schemas.microsoft.com/office/drawing/2014/main" val="20003"/>
+                    </a:ext>
+                  </a:extLst>
+                </a:gridCol>
+                <a:gridCol w="1684987">
+                  <a:extLst>
+                    <a:ext uri="{9D8B030D-6E8A-4147-A177-3AD203B41FA5}">
+                      <a16:colId xmlns:a16="http://schemas.microsoft.com/office/drawing/2014/main" val="20004"/>
+                    </a:ext>
+                  </a:extLst>
+                </a:gridCol>
               </a:tblGrid>
               <a:tr h="370840">
                 <a:tc>
@@ -8541,6 +9054,11 @@
                   </a:txBody>
                   <a:tcPr/>
                 </a:tc>
+                <a:extLst>
+                  <a:ext uri="{0D108BD9-81ED-4DB2-BD59-A6C34878D82A}">
+                    <a16:rowId xmlns:a16="http://schemas.microsoft.com/office/drawing/2014/main" val="10000"/>
+                  </a:ext>
+                </a:extLst>
               </a:tr>
               <a:tr h="370840">
                 <a:tc>
@@ -8609,6 +9127,11 @@
                   </a:txBody>
                   <a:tcPr/>
                 </a:tc>
+                <a:extLst>
+                  <a:ext uri="{0D108BD9-81ED-4DB2-BD59-A6C34878D82A}">
+                    <a16:rowId xmlns:a16="http://schemas.microsoft.com/office/drawing/2014/main" val="10001"/>
+                  </a:ext>
+                </a:extLst>
               </a:tr>
               <a:tr h="370840">
                 <a:tc>
@@ -8677,6 +9200,11 @@
                   </a:txBody>
                   <a:tcPr/>
                 </a:tc>
+                <a:extLst>
+                  <a:ext uri="{0D108BD9-81ED-4DB2-BD59-A6C34878D82A}">
+                    <a16:rowId xmlns:a16="http://schemas.microsoft.com/office/drawing/2014/main" val="10002"/>
+                  </a:ext>
+                </a:extLst>
               </a:tr>
               <a:tr h="370840">
                 <a:tc>
@@ -8745,6 +9273,11 @@
                   </a:txBody>
                   <a:tcPr/>
                 </a:tc>
+                <a:extLst>
+                  <a:ext uri="{0D108BD9-81ED-4DB2-BD59-A6C34878D82A}">
+                    <a16:rowId xmlns:a16="http://schemas.microsoft.com/office/drawing/2014/main" val="10003"/>
+                  </a:ext>
+                </a:extLst>
               </a:tr>
               <a:tr h="370840">
                 <a:tc>
@@ -8813,6 +9346,11 @@
                   </a:txBody>
                   <a:tcPr/>
                 </a:tc>
+                <a:extLst>
+                  <a:ext uri="{0D108BD9-81ED-4DB2-BD59-A6C34878D82A}">
+                    <a16:rowId xmlns:a16="http://schemas.microsoft.com/office/drawing/2014/main" val="10004"/>
+                  </a:ext>
+                </a:extLst>
               </a:tr>
               <a:tr h="370840">
                 <a:tc>
@@ -8881,6 +9419,11 @@
                   </a:txBody>
                   <a:tcPr/>
                 </a:tc>
+                <a:extLst>
+                  <a:ext uri="{0D108BD9-81ED-4DB2-BD59-A6C34878D82A}">
+                    <a16:rowId xmlns:a16="http://schemas.microsoft.com/office/drawing/2014/main" val="10005"/>
+                  </a:ext>
+                </a:extLst>
               </a:tr>
               <a:tr h="370840">
                 <a:tc>
@@ -8949,6 +9492,11 @@
                   </a:txBody>
                   <a:tcPr/>
                 </a:tc>
+                <a:extLst>
+                  <a:ext uri="{0D108BD9-81ED-4DB2-BD59-A6C34878D82A}">
+                    <a16:rowId xmlns:a16="http://schemas.microsoft.com/office/drawing/2014/main" val="10006"/>
+                  </a:ext>
+                </a:extLst>
               </a:tr>
               <a:tr h="370840">
                 <a:tc>
@@ -9017,6 +9565,11 @@
                   </a:txBody>
                   <a:tcPr/>
                 </a:tc>
+                <a:extLst>
+                  <a:ext uri="{0D108BD9-81ED-4DB2-BD59-A6C34878D82A}">
+                    <a16:rowId xmlns:a16="http://schemas.microsoft.com/office/drawing/2014/main" val="10007"/>
+                  </a:ext>
+                </a:extLst>
               </a:tr>
               <a:tr h="370840">
                 <a:tc>
@@ -9084,6 +9637,11 @@
                   </a:txBody>
                   <a:tcPr/>
                 </a:tc>
+                <a:extLst>
+                  <a:ext uri="{0D108BD9-81ED-4DB2-BD59-A6C34878D82A}">
+                    <a16:rowId xmlns:a16="http://schemas.microsoft.com/office/drawing/2014/main" val="10008"/>
+                  </a:ext>
+                </a:extLst>
               </a:tr>
             </a:tbl>
           </a:graphicData>
@@ -9168,14 +9726,12 @@
               <a:rPr lang="ru-RU" dirty="0"/>
               <a:t>У студента один предмет – встречается один раз за весь период обучения</a:t>
             </a:r>
-            <a:endParaRPr lang="ru-RU" dirty="0"/>
           </a:p>
           <a:p>
             <a:r>
               <a:rPr lang="ru-RU" dirty="0"/>
               <a:t>На каждый предмет у студента в базе одна итоговая оценка</a:t>
             </a:r>
-            <a:endParaRPr lang="ru-RU" dirty="0"/>
           </a:p>
           <a:p>
             <a:r>
@@ -9202,6 +9758,7 @@
           <a:p>
             <a:fld id="{33067CA6-2D92-4602-87FB-B81B94BA46B2}" type="slidenum">
               <a:rPr lang="ru-RU" smtClean="0"/>
+              <a:t>7</a:t>
             </a:fld>
             <a:endParaRPr lang="ru-RU" dirty="0"/>
           </a:p>
@@ -9283,28 +9840,24 @@
               <a:rPr lang="ru-RU" sz="2400" dirty="0"/>
               <a:t>Студент</a:t>
             </a:r>
-            <a:endParaRPr lang="ru-RU" sz="2400" dirty="0"/>
           </a:p>
           <a:p>
             <a:r>
               <a:rPr lang="ru-RU" sz="2400" dirty="0"/>
               <a:t>Группа</a:t>
             </a:r>
-            <a:endParaRPr lang="ru-RU" sz="2400" dirty="0"/>
           </a:p>
           <a:p>
             <a:r>
               <a:rPr lang="ru-RU" sz="2400" dirty="0"/>
               <a:t>Предмет</a:t>
             </a:r>
-            <a:endParaRPr lang="ru-RU" sz="2400" dirty="0"/>
           </a:p>
           <a:p>
             <a:r>
               <a:rPr lang="ru-RU" sz="2400" dirty="0"/>
               <a:t>Оценка</a:t>
             </a:r>
-            <a:endParaRPr lang="ru-RU" sz="2400" dirty="0"/>
           </a:p>
           <a:p>
             <a:endParaRPr lang="ru-RU" sz="2400" dirty="0"/>
@@ -9334,6 +9887,7 @@
           <a:p>
             <a:fld id="{33067CA6-2D92-4602-87FB-B81B94BA46B2}" type="slidenum">
               <a:rPr lang="ru-RU" smtClean="0"/>
+              <a:t>8</a:t>
             </a:fld>
             <a:endParaRPr lang="ru-RU" dirty="0"/>
           </a:p>
@@ -9503,7 +10057,6 @@
               <a:rPr lang="ru-RU" sz="2400" dirty="0"/>
               <a:t>Отношения</a:t>
             </a:r>
-            <a:endParaRPr lang="ru-RU" sz="2400" dirty="0"/>
           </a:p>
           <a:p>
             <a:r>
@@ -9518,14 +10071,12 @@
               <a:rPr lang="ru-RU" sz="2400" dirty="0"/>
               <a:t>Студент</a:t>
             </a:r>
-            <a:endParaRPr lang="ru-RU" sz="2400" dirty="0"/>
           </a:p>
           <a:p>
             <a:r>
               <a:rPr lang="ru-RU" sz="2400" dirty="0"/>
               <a:t>Группа 1:1 Староста</a:t>
             </a:r>
-            <a:endParaRPr lang="ru-RU" sz="2400" dirty="0"/>
           </a:p>
           <a:p>
             <a:r>
@@ -9548,7 +10099,6 @@
               <a:rPr lang="ru-RU" sz="2400" dirty="0"/>
               <a:t> Группа</a:t>
             </a:r>
-            <a:endParaRPr lang="ru-RU" sz="2400" dirty="0"/>
           </a:p>
           <a:p>
             <a:endParaRPr lang="ru-RU" sz="2400" dirty="0"/>
@@ -9566,7 +10116,6 @@
               <a:rPr lang="ru-RU" sz="2400" dirty="0"/>
               <a:t>:1 Предмет</a:t>
             </a:r>
-            <a:endParaRPr lang="ru-RU" sz="2400" dirty="0"/>
           </a:p>
           <a:p>
             <a:r>
@@ -9581,7 +10130,6 @@
               <a:rPr lang="ru-RU" sz="2400" dirty="0"/>
               <a:t>:1 Студент</a:t>
             </a:r>
-            <a:endParaRPr lang="ru-RU" sz="2400" dirty="0"/>
           </a:p>
           <a:p>
             <a:endParaRPr lang="ru-RU" sz="2400" dirty="0"/>
@@ -9695,6 +10243,7 @@
           <a:p>
             <a:fld id="{33067CA6-2D92-4602-87FB-B81B94BA46B2}" type="slidenum">
               <a:rPr lang="ru-RU" smtClean="0"/>
+              <a:t>9</a:t>
             </a:fld>
             <a:endParaRPr lang="ru-RU" dirty="0"/>
           </a:p>
@@ -9719,7 +10268,13 @@
                 <a:tableStyleId>{85BE263C-DBD7-4A20-BB59-AAB30ACAA65A}</a:tableStyleId>
               </a:tblPr>
               <a:tblGrid>
-                <a:gridCol w="1371258"/>
+                <a:gridCol w="1371258">
+                  <a:extLst>
+                    <a:ext uri="{9D8B030D-6E8A-4147-A177-3AD203B41FA5}">
+                      <a16:colId xmlns:a16="http://schemas.microsoft.com/office/drawing/2014/main" val="20000"/>
+                    </a:ext>
+                  </a:extLst>
+                </a:gridCol>
               </a:tblGrid>
               <a:tr h="370840">
                 <a:tc>
@@ -9735,6 +10290,11 @@
                   </a:txBody>
                   <a:tcPr/>
                 </a:tc>
+                <a:extLst>
+                  <a:ext uri="{0D108BD9-81ED-4DB2-BD59-A6C34878D82A}">
+                    <a16:rowId xmlns:a16="http://schemas.microsoft.com/office/drawing/2014/main" val="10000"/>
+                  </a:ext>
+                </a:extLst>
               </a:tr>
               <a:tr h="370840">
                 <a:tc>
@@ -9750,6 +10310,11 @@
                   </a:txBody>
                   <a:tcPr/>
                 </a:tc>
+                <a:extLst>
+                  <a:ext uri="{0D108BD9-81ED-4DB2-BD59-A6C34878D82A}">
+                    <a16:rowId xmlns:a16="http://schemas.microsoft.com/office/drawing/2014/main" val="10001"/>
+                  </a:ext>
+                </a:extLst>
               </a:tr>
               <a:tr h="370840">
                 <a:tc>
@@ -9765,6 +10330,11 @@
                   </a:txBody>
                   <a:tcPr/>
                 </a:tc>
+                <a:extLst>
+                  <a:ext uri="{0D108BD9-81ED-4DB2-BD59-A6C34878D82A}">
+                    <a16:rowId xmlns:a16="http://schemas.microsoft.com/office/drawing/2014/main" val="10002"/>
+                  </a:ext>
+                </a:extLst>
               </a:tr>
               <a:tr h="370840">
                 <a:tc>
@@ -9780,6 +10350,11 @@
                   </a:txBody>
                   <a:tcPr/>
                 </a:tc>
+                <a:extLst>
+                  <a:ext uri="{0D108BD9-81ED-4DB2-BD59-A6C34878D82A}">
+                    <a16:rowId xmlns:a16="http://schemas.microsoft.com/office/drawing/2014/main" val="10003"/>
+                  </a:ext>
+                </a:extLst>
               </a:tr>
             </a:tbl>
           </a:graphicData>
@@ -9804,7 +10379,13 @@
                 <a:tableStyleId>{85BE263C-DBD7-4A20-BB59-AAB30ACAA65A}</a:tableStyleId>
               </a:tblPr>
               <a:tblGrid>
-                <a:gridCol w="1352391"/>
+                <a:gridCol w="1352391">
+                  <a:extLst>
+                    <a:ext uri="{9D8B030D-6E8A-4147-A177-3AD203B41FA5}">
+                      <a16:colId xmlns:a16="http://schemas.microsoft.com/office/drawing/2014/main" val="20000"/>
+                    </a:ext>
+                  </a:extLst>
+                </a:gridCol>
               </a:tblGrid>
               <a:tr h="370840">
                 <a:tc>
@@ -9820,6 +10401,11 @@
                   </a:txBody>
                   <a:tcPr/>
                 </a:tc>
+                <a:extLst>
+                  <a:ext uri="{0D108BD9-81ED-4DB2-BD59-A6C34878D82A}">
+                    <a16:rowId xmlns:a16="http://schemas.microsoft.com/office/drawing/2014/main" val="10000"/>
+                  </a:ext>
+                </a:extLst>
               </a:tr>
               <a:tr h="370840">
                 <a:tc>
@@ -9835,6 +10421,11 @@
                   </a:txBody>
                   <a:tcPr/>
                 </a:tc>
+                <a:extLst>
+                  <a:ext uri="{0D108BD9-81ED-4DB2-BD59-A6C34878D82A}">
+                    <a16:rowId xmlns:a16="http://schemas.microsoft.com/office/drawing/2014/main" val="10001"/>
+                  </a:ext>
+                </a:extLst>
               </a:tr>
               <a:tr h="370840">
                 <a:tc>
@@ -9850,6 +10441,11 @@
                   </a:txBody>
                   <a:tcPr/>
                 </a:tc>
+                <a:extLst>
+                  <a:ext uri="{0D108BD9-81ED-4DB2-BD59-A6C34878D82A}">
+                    <a16:rowId xmlns:a16="http://schemas.microsoft.com/office/drawing/2014/main" val="10002"/>
+                  </a:ext>
+                </a:extLst>
               </a:tr>
               <a:tr h="370840">
                 <a:tc>
@@ -9865,6 +10461,11 @@
                   </a:txBody>
                   <a:tcPr/>
                 </a:tc>
+                <a:extLst>
+                  <a:ext uri="{0D108BD9-81ED-4DB2-BD59-A6C34878D82A}">
+                    <a16:rowId xmlns:a16="http://schemas.microsoft.com/office/drawing/2014/main" val="10003"/>
+                  </a:ext>
+                </a:extLst>
               </a:tr>
               <a:tr h="370840">
                 <a:tc>
@@ -9880,6 +10481,11 @@
                   </a:txBody>
                   <a:tcPr/>
                 </a:tc>
+                <a:extLst>
+                  <a:ext uri="{0D108BD9-81ED-4DB2-BD59-A6C34878D82A}">
+                    <a16:rowId xmlns:a16="http://schemas.microsoft.com/office/drawing/2014/main" val="10004"/>
+                  </a:ext>
+                </a:extLst>
               </a:tr>
               <a:tr h="370840">
                 <a:tc>
@@ -9895,6 +10501,11 @@
                   </a:txBody>
                   <a:tcPr/>
                 </a:tc>
+                <a:extLst>
+                  <a:ext uri="{0D108BD9-81ED-4DB2-BD59-A6C34878D82A}">
+                    <a16:rowId xmlns:a16="http://schemas.microsoft.com/office/drawing/2014/main" val="10005"/>
+                  </a:ext>
+                </a:extLst>
               </a:tr>
               <a:tr h="370840">
                 <a:tc>
@@ -9910,6 +10521,11 @@
                   </a:txBody>
                   <a:tcPr/>
                 </a:tc>
+                <a:extLst>
+                  <a:ext uri="{0D108BD9-81ED-4DB2-BD59-A6C34878D82A}">
+                    <a16:rowId xmlns:a16="http://schemas.microsoft.com/office/drawing/2014/main" val="10006"/>
+                  </a:ext>
+                </a:extLst>
               </a:tr>
             </a:tbl>
           </a:graphicData>
@@ -9934,7 +10550,13 @@
                 <a:tableStyleId>{85BE263C-DBD7-4A20-BB59-AAB30ACAA65A}</a:tableStyleId>
               </a:tblPr>
               <a:tblGrid>
-                <a:gridCol w="1499235"/>
+                <a:gridCol w="1499235">
+                  <a:extLst>
+                    <a:ext uri="{9D8B030D-6E8A-4147-A177-3AD203B41FA5}">
+                      <a16:colId xmlns:a16="http://schemas.microsoft.com/office/drawing/2014/main" val="20000"/>
+                    </a:ext>
+                  </a:extLst>
+                </a:gridCol>
               </a:tblGrid>
               <a:tr h="370840">
                 <a:tc>
@@ -9950,6 +10572,11 @@
                   </a:txBody>
                   <a:tcPr/>
                 </a:tc>
+                <a:extLst>
+                  <a:ext uri="{0D108BD9-81ED-4DB2-BD59-A6C34878D82A}">
+                    <a16:rowId xmlns:a16="http://schemas.microsoft.com/office/drawing/2014/main" val="10000"/>
+                  </a:ext>
+                </a:extLst>
               </a:tr>
               <a:tr h="370840">
                 <a:tc>
@@ -9965,6 +10592,11 @@
                   </a:txBody>
                   <a:tcPr/>
                 </a:tc>
+                <a:extLst>
+                  <a:ext uri="{0D108BD9-81ED-4DB2-BD59-A6C34878D82A}">
+                    <a16:rowId xmlns:a16="http://schemas.microsoft.com/office/drawing/2014/main" val="10001"/>
+                  </a:ext>
+                </a:extLst>
               </a:tr>
               <a:tr h="370840">
                 <a:tc>
@@ -9980,6 +10612,11 @@
                   </a:txBody>
                   <a:tcPr/>
                 </a:tc>
+                <a:extLst>
+                  <a:ext uri="{0D108BD9-81ED-4DB2-BD59-A6C34878D82A}">
+                    <a16:rowId xmlns:a16="http://schemas.microsoft.com/office/drawing/2014/main" val="10002"/>
+                  </a:ext>
+                </a:extLst>
               </a:tr>
               <a:tr h="370840">
                 <a:tc>
@@ -9995,6 +10632,11 @@
                   </a:txBody>
                   <a:tcPr/>
                 </a:tc>
+                <a:extLst>
+                  <a:ext uri="{0D108BD9-81ED-4DB2-BD59-A6C34878D82A}">
+                    <a16:rowId xmlns:a16="http://schemas.microsoft.com/office/drawing/2014/main" val="10003"/>
+                  </a:ext>
+                </a:extLst>
               </a:tr>
             </a:tbl>
           </a:graphicData>

--- a/Presentations/Lab_1_Database_Normalization.pptx
+++ b/Presentations/Lab_1_Database_Normalization.pptx
@@ -179,8 +179,48 @@
 </p:presentation>
 </file>
 
-<file path=ppt/revisionInfo.xml><?xml version="1.0" encoding="utf-8"?>
-<p1510:revInfo xmlns:a="http://schemas.openxmlformats.org/drawingml/2006/main" xmlns:r="http://schemas.openxmlformats.org/officeDocument/2006/relationships" xmlns:p1510="http://schemas.microsoft.com/office/powerpoint/2015/10/main"/>
+<file path=ppt/changesInfos/changesInfo1.xml><?xml version="1.0" encoding="utf-8"?>
+<pc:chgInfo xmlns:a="http://schemas.openxmlformats.org/drawingml/2006/main" xmlns:r="http://schemas.openxmlformats.org/officeDocument/2006/relationships" xmlns:ac="http://schemas.microsoft.com/office/drawing/2013/main/command" xmlns:pc="http://schemas.microsoft.com/office/powerpoint/2013/main/command">
+  <pc:docChgLst>
+    <pc:chgData name="Герман Криммель" userId="8a9e6039c5eb7687" providerId="Windows Live" clId="Web-{EE1373EB-8996-4F50-9757-3C5D4F4C0DF4}"/>
+    <pc:docChg chg="modSld">
+      <pc:chgData name="Герман Криммель" userId="8a9e6039c5eb7687" providerId="Windows Live" clId="Web-{EE1373EB-8996-4F50-9757-3C5D4F4C0DF4}" dt="2018-09-08T18:34:49.320" v="16" actId="14100"/>
+      <pc:docMkLst>
+        <pc:docMk/>
+      </pc:docMkLst>
+      <pc:sldChg chg="modSp">
+        <pc:chgData name="Герман Криммель" userId="8a9e6039c5eb7687" providerId="Windows Live" clId="Web-{EE1373EB-8996-4F50-9757-3C5D4F4C0DF4}" dt="2018-09-08T18:33:58.882" v="8" actId="20577"/>
+        <pc:sldMkLst>
+          <pc:docMk/>
+          <pc:sldMk cId="0" sldId="274"/>
+        </pc:sldMkLst>
+        <pc:spChg chg="mod">
+          <ac:chgData name="Герман Криммель" userId="8a9e6039c5eb7687" providerId="Windows Live" clId="Web-{EE1373EB-8996-4F50-9757-3C5D4F4C0DF4}" dt="2018-09-08T18:33:58.882" v="8" actId="20577"/>
+          <ac:spMkLst>
+            <pc:docMk/>
+            <pc:sldMk cId="0" sldId="274"/>
+            <ac:spMk id="3" creationId="{00000000-0000-0000-0000-000000000000}"/>
+          </ac:spMkLst>
+        </pc:spChg>
+      </pc:sldChg>
+      <pc:sldChg chg="modSp">
+        <pc:chgData name="Герман Криммель" userId="8a9e6039c5eb7687" providerId="Windows Live" clId="Web-{EE1373EB-8996-4F50-9757-3C5D4F4C0DF4}" dt="2018-09-08T18:34:49.320" v="16" actId="14100"/>
+        <pc:sldMkLst>
+          <pc:docMk/>
+          <pc:sldMk cId="0" sldId="289"/>
+        </pc:sldMkLst>
+        <pc:spChg chg="mod">
+          <ac:chgData name="Герман Криммель" userId="8a9e6039c5eb7687" providerId="Windows Live" clId="Web-{EE1373EB-8996-4F50-9757-3C5D4F4C0DF4}" dt="2018-09-08T18:34:49.320" v="16" actId="14100"/>
+          <ac:spMkLst>
+            <pc:docMk/>
+            <pc:sldMk cId="0" sldId="289"/>
+            <ac:spMk id="3" creationId="{00000000-0000-0000-0000-000000000000}"/>
+          </ac:spMkLst>
+        </pc:spChg>
+      </pc:sldChg>
+    </pc:docChg>
+  </pc:docChgLst>
+</pc:chgInfo>
 </file>
 
 <file path=ppt/notesMasters/notesMaster1.xml><?xml version="1.0" encoding="utf-8"?>
@@ -265,7 +305,7 @@
           <a:p>
             <a:fld id="{81CFF8C7-C57D-4492-855C-AD914604A572}" type="datetimeFigureOut">
               <a:rPr lang="ru-RU" smtClean="0"/>
-              <a:t>20.01.2018</a:t>
+              <a:t>08.09.2018</a:t>
             </a:fld>
             <a:endParaRPr lang="ru-RU"/>
           </a:p>
@@ -1789,7 +1829,7 @@
           <a:p>
             <a:fld id="{B3D7935A-E16E-4B6D-89BB-CEE100CDDA09}" type="datetime1">
               <a:rPr lang="ru-RU" smtClean="0"/>
-              <a:t>20.01.2018</a:t>
+              <a:t>08.09.2018</a:t>
             </a:fld>
             <a:endParaRPr lang="ru-RU"/>
           </a:p>
@@ -7112,12 +7152,12 @@
         <p:spPr>
           <a:xfrm>
             <a:off x="392430" y="1268730"/>
-            <a:ext cx="8306435" cy="4526280"/>
+            <a:ext cx="8306435" cy="4822936"/>
           </a:xfrm>
         </p:spPr>
         <p:txBody>
-          <a:bodyPr>
-            <a:normAutofit/>
+          <a:bodyPr vert="horz" lIns="91440" tIns="45720" rIns="91440" bIns="45720" rtlCol="0" anchor="t">
+            <a:normAutofit fontScale="92500"/>
           </a:bodyPr>
           <a:lstStyle/>
           <a:p>
@@ -7170,6 +7210,25 @@
               <a:rPr lang="ru-RU" sz="2000" dirty="0"/>
               <a:t>Допускается 20% вычет при опоздании с работой не более чем на 24 часа.</a:t>
             </a:r>
+          </a:p>
+          <a:p>
+            <a:pPr marL="457200" indent="-457200">
+              <a:buAutoNum type="arabicPeriod"/>
+            </a:pPr>
+            <a:r>
+              <a:rPr lang="ru-RU" sz="2000" dirty="0">
+                <a:cs typeface="Calibri"/>
+              </a:rPr>
+              <a:t>Если письмо со сдаваемой частью работы оформлено ненадлежащим образом (отсутствует/неинформативная тема, нет подписи с ФИО и т.д.), то из полученного количества баллов за этот этап вычитается 10%.</a:t>
+            </a:r>
+          </a:p>
+          <a:p>
+            <a:pPr marL="457200" indent="-457200">
+              <a:buAutoNum type="arabicPeriod"/>
+            </a:pPr>
+            <a:endParaRPr lang="ru-RU" sz="2000" dirty="0">
+              <a:cs typeface="Calibri"/>
+            </a:endParaRPr>
           </a:p>
         </p:txBody>
       </p:sp>
@@ -8046,7 +8105,7 @@
           </a:xfrm>
         </p:spPr>
         <p:txBody>
-          <a:bodyPr>
+          <a:bodyPr vert="horz" lIns="91440" tIns="45720" rIns="91440" bIns="45720" rtlCol="0" anchor="t">
             <a:normAutofit lnSpcReduction="10000"/>
           </a:bodyPr>
           <a:lstStyle/>
@@ -8068,21 +8127,14 @@
             </a:pPr>
             <a:r>
               <a:rPr lang="ru-RU" sz="2000" dirty="0"/>
-              <a:t>версия 9.</a:t>
-            </a:r>
-            <a:r>
-              <a:rPr lang="en-US" sz="2000" dirty="0"/>
-              <a:t>6</a:t>
-            </a:r>
-            <a:r>
-              <a:rPr lang="ru-RU" sz="2000" dirty="0"/>
-              <a:t>.</a:t>
-            </a:r>
-            <a:r>
-              <a:rPr lang="en-US" sz="2000" dirty="0"/>
-              <a:t>6</a:t>
-            </a:r>
-            <a:endParaRPr lang="ru-RU" sz="2000" dirty="0"/>
+              <a:t>версия </a:t>
+            </a:r>
+            <a:r>
+              <a:rPr lang="ru-RU" sz="2000" dirty="0">
+                <a:cs typeface="Calibri"/>
+              </a:rPr>
+              <a:t>10</a:t>
+            </a:r>
           </a:p>
           <a:p>
             <a:pPr marL="0" indent="0">
